--- a/learn-dynamics-pr/dyn365-supply-chain-management/get-started-production-control-dyn365-supply-chain-mgmt/resources/types-manufact.pptx
+++ b/learn-dynamics-pr/dyn365-supply-chain-management/get-started-production-control-dyn365-supply-chain-mgmt/resources/types-manufact.pptx
@@ -2,10 +2,10 @@
 <file path=ppt/presentation.xml><?xml version="1.0" encoding="utf-8"?>
 <p:presentation xmlns:a="http://schemas.openxmlformats.org/drawingml/2006/main" xmlns:r="http://schemas.openxmlformats.org/officeDocument/2006/relationships" xmlns:p="http://schemas.openxmlformats.org/presentationml/2006/main" saveSubsetFonts="1" bookmarkIdSeed="3">
   <p:sldMasterIdLst>
-    <p:sldMasterId id="2147483648" r:id="rId1"/>
+    <p:sldMasterId id="2147483648" r:id="rId4"/>
   </p:sldMasterIdLst>
   <p:sldIdLst>
-    <p:sldId id="256" r:id="rId2"/>
+    <p:sldId id="256" r:id="rId5"/>
   </p:sldIdLst>
   <p:sldSz cx="12192000" cy="6858000"/>
   <p:notesSz cx="6858000" cy="9144000"/>
@@ -146,18 +146,17 @@
           </a:xfrm>
         </p:spPr>
         <p:txBody>
-          <a:bodyPr anchor="b" rtlCol="1"/>
+          <a:bodyPr anchor="b"/>
           <a:lstStyle>
-            <a:lvl1pPr algn="ctr" rtl="1">
+            <a:lvl1pPr algn="ctr">
               <a:defRPr sz="6000"/>
             </a:lvl1pPr>
           </a:lstStyle>
           <a:p>
             <a:r>
-              <a:rPr lang="en-US" smtClean="0"/>
+              <a:rPr lang="en-US"/>
               <a:t>Click to edit Master title style</a:t>
             </a:r>
-            <a:endParaRPr lang="en-US"/>
           </a:p>
         </p:txBody>
       </p:sp>
@@ -178,51 +177,50 @@
           </a:xfrm>
         </p:spPr>
         <p:txBody>
-          <a:bodyPr rtlCol="1"/>
+          <a:bodyPr/>
           <a:lstStyle>
-            <a:lvl1pPr marL="0" indent="0" algn="ctr" rtl="1">
+            <a:lvl1pPr marL="0" indent="0" algn="ctr">
               <a:buNone/>
               <a:defRPr sz="2400"/>
             </a:lvl1pPr>
-            <a:lvl2pPr marL="457200" indent="0" algn="ctr" rtl="1">
+            <a:lvl2pPr marL="457200" indent="0" algn="ctr">
               <a:buNone/>
               <a:defRPr sz="2000"/>
             </a:lvl2pPr>
-            <a:lvl3pPr marL="914400" indent="0" algn="ctr" rtl="1">
+            <a:lvl3pPr marL="914400" indent="0" algn="ctr">
               <a:buNone/>
               <a:defRPr sz="1800"/>
             </a:lvl3pPr>
-            <a:lvl4pPr marL="1371600" indent="0" algn="ctr" rtl="1">
+            <a:lvl4pPr marL="1371600" indent="0" algn="ctr">
               <a:buNone/>
               <a:defRPr sz="1600"/>
             </a:lvl4pPr>
-            <a:lvl5pPr marL="1828800" indent="0" algn="ctr" rtl="1">
+            <a:lvl5pPr marL="1828800" indent="0" algn="ctr">
               <a:buNone/>
               <a:defRPr sz="1600"/>
             </a:lvl5pPr>
-            <a:lvl6pPr marL="2286000" indent="0" algn="ctr" rtl="1">
+            <a:lvl6pPr marL="2286000" indent="0" algn="ctr">
               <a:buNone/>
               <a:defRPr sz="1600"/>
             </a:lvl6pPr>
-            <a:lvl7pPr marL="2743200" indent="0" algn="ctr" rtl="1">
+            <a:lvl7pPr marL="2743200" indent="0" algn="ctr">
               <a:buNone/>
               <a:defRPr sz="1600"/>
             </a:lvl7pPr>
-            <a:lvl8pPr marL="3200400" indent="0" algn="ctr" rtl="1">
+            <a:lvl8pPr marL="3200400" indent="0" algn="ctr">
               <a:buNone/>
               <a:defRPr sz="1600"/>
             </a:lvl8pPr>
-            <a:lvl9pPr marL="3657600" indent="0" algn="ctr" rtl="1">
+            <a:lvl9pPr marL="3657600" indent="0" algn="ctr">
               <a:buNone/>
               <a:defRPr sz="1600"/>
             </a:lvl9pPr>
           </a:lstStyle>
           <a:p>
             <a:r>
-              <a:rPr lang="en-US" smtClean="0"/>
+              <a:rPr lang="en-US"/>
               <a:t>Click to edit Master subtitle style</a:t>
             </a:r>
-            <a:endParaRPr lang="en-US"/>
           </a:p>
         </p:txBody>
       </p:sp>
@@ -238,14 +236,12 @@
         </p:nvSpPr>
         <p:spPr/>
         <p:txBody>
-          <a:bodyPr rtlCol="1"/>
-          <a:lstStyle>
-            <a:lvl1pPr algn="r" rtl="1"/>
-          </a:lstStyle>
+          <a:bodyPr/>
+          <a:lstStyle/>
           <a:p>
             <a:fld id="{51A83E91-2F2D-40F8-99D2-DD6E2C5BC9C2}" type="datetimeFigureOut">
               <a:rPr lang="en-US" smtClean="0"/>
-              <a:t>10/28/2019</a:t>
+              <a:t>2/9/2022</a:t>
             </a:fld>
             <a:endParaRPr lang="en-US"/>
           </a:p>
@@ -263,10 +259,8 @@
         </p:nvSpPr>
         <p:spPr/>
         <p:txBody>
-          <a:bodyPr rtlCol="1"/>
-          <a:lstStyle>
-            <a:lvl1pPr algn="r" rtl="1"/>
-          </a:lstStyle>
+          <a:bodyPr/>
+          <a:lstStyle/>
           <a:p>
             <a:endParaRPr lang="en-US"/>
           </a:p>
@@ -284,10 +278,8 @@
         </p:nvSpPr>
         <p:spPr/>
         <p:txBody>
-          <a:bodyPr rtlCol="1"/>
-          <a:lstStyle>
-            <a:lvl1pPr algn="r" rtl="1"/>
-          </a:lstStyle>
+          <a:bodyPr/>
+          <a:lstStyle/>
           <a:p>
             <a:fld id="{4BAB5BF5-7DA9-4E08-B387-E4C49BDE24D8}" type="slidenum">
               <a:rPr lang="en-US" smtClean="0"/>
@@ -339,16 +331,13 @@
         </p:nvSpPr>
         <p:spPr/>
         <p:txBody>
-          <a:bodyPr rtlCol="1"/>
-          <a:lstStyle>
-            <a:lvl1pPr algn="r" rtl="1"/>
-          </a:lstStyle>
-          <a:p>
-            <a:r>
-              <a:rPr lang="en-US" smtClean="0"/>
+          <a:bodyPr/>
+          <a:lstStyle/>
+          <a:p>
+            <a:r>
+              <a:rPr lang="en-US"/>
               <a:t>Click to edit Master title style</a:t>
             </a:r>
-            <a:endParaRPr lang="en-US"/>
           </a:p>
         </p:txBody>
       </p:sp>
@@ -364,45 +353,42 @@
         </p:nvSpPr>
         <p:spPr/>
         <p:txBody>
-          <a:bodyPr vert="eaVert" rtlCol="1"/>
-          <a:lstStyle>
-            <a:lvl1pPr algn="r" rtl="1"/>
-          </a:lstStyle>
-          <a:p>
-            <a:pPr lvl="0" algn="r" rtl="1"/>
-            <a:r>
-              <a:rPr lang="en-US" smtClean="0"/>
+          <a:bodyPr vert="eaVert"/>
+          <a:lstStyle/>
+          <a:p>
+            <a:pPr lvl="0"/>
+            <a:r>
+              <a:rPr lang="en-US"/>
               <a:t>Edit Master text styles</a:t>
             </a:r>
           </a:p>
           <a:p>
-            <a:pPr lvl="1" algn="r" rtl="1"/>
-            <a:r>
-              <a:rPr lang="en-US" smtClean="0"/>
+            <a:pPr lvl="1"/>
+            <a:r>
+              <a:rPr lang="en-US"/>
               <a:t>Second level</a:t>
             </a:r>
           </a:p>
           <a:p>
-            <a:pPr lvl="2" algn="r" rtl="1"/>
-            <a:r>
-              <a:rPr lang="en-US" smtClean="0"/>
+            <a:pPr lvl="2"/>
+            <a:r>
+              <a:rPr lang="en-US"/>
               <a:t>Third level</a:t>
             </a:r>
           </a:p>
           <a:p>
-            <a:pPr lvl="3" algn="r" rtl="1"/>
-            <a:r>
-              <a:rPr lang="en-US" smtClean="0"/>
+            <a:pPr lvl="3"/>
+            <a:r>
+              <a:rPr lang="en-US"/>
               <a:t>Fourth level</a:t>
             </a:r>
           </a:p>
           <a:p>
-            <a:pPr lvl="4" algn="r" rtl="1"/>
-            <a:r>
-              <a:rPr lang="en-US" smtClean="0"/>
+            <a:pPr lvl="4"/>
+            <a:r>
+              <a:rPr lang="en-US"/>
               <a:t>Fifth level</a:t>
             </a:r>
-            <a:endParaRPr lang="en-US"/>
           </a:p>
         </p:txBody>
       </p:sp>
@@ -418,14 +404,12 @@
         </p:nvSpPr>
         <p:spPr/>
         <p:txBody>
-          <a:bodyPr rtlCol="1"/>
-          <a:lstStyle>
-            <a:lvl1pPr algn="r" rtl="1"/>
-          </a:lstStyle>
+          <a:bodyPr/>
+          <a:lstStyle/>
           <a:p>
             <a:fld id="{51A83E91-2F2D-40F8-99D2-DD6E2C5BC9C2}" type="datetimeFigureOut">
               <a:rPr lang="en-US" smtClean="0"/>
-              <a:t>10/28/2019</a:t>
+              <a:t>2/9/2022</a:t>
             </a:fld>
             <a:endParaRPr lang="en-US"/>
           </a:p>
@@ -443,10 +427,8 @@
         </p:nvSpPr>
         <p:spPr/>
         <p:txBody>
-          <a:bodyPr rtlCol="1"/>
-          <a:lstStyle>
-            <a:lvl1pPr algn="r" rtl="1"/>
-          </a:lstStyle>
+          <a:bodyPr/>
+          <a:lstStyle/>
           <a:p>
             <a:endParaRPr lang="en-US"/>
           </a:p>
@@ -464,10 +446,8 @@
         </p:nvSpPr>
         <p:spPr/>
         <p:txBody>
-          <a:bodyPr rtlCol="1"/>
-          <a:lstStyle>
-            <a:lvl1pPr algn="r" rtl="1"/>
-          </a:lstStyle>
+          <a:bodyPr/>
+          <a:lstStyle/>
           <a:p>
             <a:fld id="{4BAB5BF5-7DA9-4E08-B387-E4C49BDE24D8}" type="slidenum">
               <a:rPr lang="en-US" smtClean="0"/>
@@ -524,16 +504,13 @@
           </a:xfrm>
         </p:spPr>
         <p:txBody>
-          <a:bodyPr vert="eaVert" rtlCol="1"/>
-          <a:lstStyle>
-            <a:lvl1pPr algn="r" rtl="1"/>
-          </a:lstStyle>
-          <a:p>
-            <a:r>
-              <a:rPr lang="en-US" smtClean="0"/>
+          <a:bodyPr vert="eaVert"/>
+          <a:lstStyle/>
+          <a:p>
+            <a:r>
+              <a:rPr lang="en-US"/>
               <a:t>Click to edit Master title style</a:t>
             </a:r>
-            <a:endParaRPr lang="en-US"/>
           </a:p>
         </p:txBody>
       </p:sp>
@@ -554,45 +531,42 @@
           </a:xfrm>
         </p:spPr>
         <p:txBody>
-          <a:bodyPr vert="eaVert" rtlCol="1"/>
-          <a:lstStyle>
-            <a:lvl1pPr algn="r" rtl="1"/>
-          </a:lstStyle>
-          <a:p>
-            <a:pPr lvl="0" algn="r" rtl="1"/>
-            <a:r>
-              <a:rPr lang="en-US" smtClean="0"/>
+          <a:bodyPr vert="eaVert"/>
+          <a:lstStyle/>
+          <a:p>
+            <a:pPr lvl="0"/>
+            <a:r>
+              <a:rPr lang="en-US"/>
               <a:t>Edit Master text styles</a:t>
             </a:r>
           </a:p>
           <a:p>
-            <a:pPr lvl="1" algn="r" rtl="1"/>
-            <a:r>
-              <a:rPr lang="en-US" smtClean="0"/>
+            <a:pPr lvl="1"/>
+            <a:r>
+              <a:rPr lang="en-US"/>
               <a:t>Second level</a:t>
             </a:r>
           </a:p>
           <a:p>
-            <a:pPr lvl="2" algn="r" rtl="1"/>
-            <a:r>
-              <a:rPr lang="en-US" smtClean="0"/>
+            <a:pPr lvl="2"/>
+            <a:r>
+              <a:rPr lang="en-US"/>
               <a:t>Third level</a:t>
             </a:r>
           </a:p>
           <a:p>
-            <a:pPr lvl="3" algn="r" rtl="1"/>
-            <a:r>
-              <a:rPr lang="en-US" smtClean="0"/>
+            <a:pPr lvl="3"/>
+            <a:r>
+              <a:rPr lang="en-US"/>
               <a:t>Fourth level</a:t>
             </a:r>
           </a:p>
           <a:p>
-            <a:pPr lvl="4" algn="r" rtl="1"/>
-            <a:r>
-              <a:rPr lang="en-US" smtClean="0"/>
+            <a:pPr lvl="4"/>
+            <a:r>
+              <a:rPr lang="en-US"/>
               <a:t>Fifth level</a:t>
             </a:r>
-            <a:endParaRPr lang="en-US"/>
           </a:p>
         </p:txBody>
       </p:sp>
@@ -608,14 +582,12 @@
         </p:nvSpPr>
         <p:spPr/>
         <p:txBody>
-          <a:bodyPr rtlCol="1"/>
-          <a:lstStyle>
-            <a:lvl1pPr algn="r" rtl="1"/>
-          </a:lstStyle>
+          <a:bodyPr/>
+          <a:lstStyle/>
           <a:p>
             <a:fld id="{51A83E91-2F2D-40F8-99D2-DD6E2C5BC9C2}" type="datetimeFigureOut">
               <a:rPr lang="en-US" smtClean="0"/>
-              <a:t>10/28/2019</a:t>
+              <a:t>2/9/2022</a:t>
             </a:fld>
             <a:endParaRPr lang="en-US"/>
           </a:p>
@@ -633,10 +605,8 @@
         </p:nvSpPr>
         <p:spPr/>
         <p:txBody>
-          <a:bodyPr rtlCol="1"/>
-          <a:lstStyle>
-            <a:lvl1pPr algn="r" rtl="1"/>
-          </a:lstStyle>
+          <a:bodyPr/>
+          <a:lstStyle/>
           <a:p>
             <a:endParaRPr lang="en-US"/>
           </a:p>
@@ -654,10 +624,8 @@
         </p:nvSpPr>
         <p:spPr/>
         <p:txBody>
-          <a:bodyPr rtlCol="1"/>
-          <a:lstStyle>
-            <a:lvl1pPr algn="r" rtl="1"/>
-          </a:lstStyle>
+          <a:bodyPr/>
+          <a:lstStyle/>
           <a:p>
             <a:fld id="{4BAB5BF5-7DA9-4E08-B387-E4C49BDE24D8}" type="slidenum">
               <a:rPr lang="en-US" smtClean="0"/>
@@ -709,16 +677,13 @@
         </p:nvSpPr>
         <p:spPr/>
         <p:txBody>
-          <a:bodyPr rtlCol="1"/>
-          <a:lstStyle>
-            <a:lvl1pPr algn="r" rtl="1"/>
-          </a:lstStyle>
-          <a:p>
-            <a:r>
-              <a:rPr lang="en-US" smtClean="0"/>
+          <a:bodyPr/>
+          <a:lstStyle/>
+          <a:p>
+            <a:r>
+              <a:rPr lang="en-US"/>
               <a:t>Click to edit Master title style</a:t>
             </a:r>
-            <a:endParaRPr lang="en-US"/>
           </a:p>
         </p:txBody>
       </p:sp>
@@ -734,45 +699,42 @@
         </p:nvSpPr>
         <p:spPr/>
         <p:txBody>
-          <a:bodyPr rtlCol="1"/>
-          <a:lstStyle>
-            <a:lvl1pPr algn="r" rtl="1"/>
-          </a:lstStyle>
-          <a:p>
-            <a:pPr lvl="0" algn="r" rtl="1"/>
-            <a:r>
-              <a:rPr lang="en-US" smtClean="0"/>
+          <a:bodyPr/>
+          <a:lstStyle/>
+          <a:p>
+            <a:pPr lvl="0"/>
+            <a:r>
+              <a:rPr lang="en-US"/>
               <a:t>Edit Master text styles</a:t>
             </a:r>
           </a:p>
           <a:p>
-            <a:pPr lvl="1" algn="r" rtl="1"/>
-            <a:r>
-              <a:rPr lang="en-US" smtClean="0"/>
+            <a:pPr lvl="1"/>
+            <a:r>
+              <a:rPr lang="en-US"/>
               <a:t>Second level</a:t>
             </a:r>
           </a:p>
           <a:p>
-            <a:pPr lvl="2" algn="r" rtl="1"/>
-            <a:r>
-              <a:rPr lang="en-US" smtClean="0"/>
+            <a:pPr lvl="2"/>
+            <a:r>
+              <a:rPr lang="en-US"/>
               <a:t>Third level</a:t>
             </a:r>
           </a:p>
           <a:p>
-            <a:pPr lvl="3" algn="r" rtl="1"/>
-            <a:r>
-              <a:rPr lang="en-US" smtClean="0"/>
+            <a:pPr lvl="3"/>
+            <a:r>
+              <a:rPr lang="en-US"/>
               <a:t>Fourth level</a:t>
             </a:r>
           </a:p>
           <a:p>
-            <a:pPr lvl="4" algn="r" rtl="1"/>
-            <a:r>
-              <a:rPr lang="en-US" smtClean="0"/>
+            <a:pPr lvl="4"/>
+            <a:r>
+              <a:rPr lang="en-US"/>
               <a:t>Fifth level</a:t>
             </a:r>
-            <a:endParaRPr lang="en-US"/>
           </a:p>
         </p:txBody>
       </p:sp>
@@ -788,14 +750,12 @@
         </p:nvSpPr>
         <p:spPr/>
         <p:txBody>
-          <a:bodyPr rtlCol="1"/>
-          <a:lstStyle>
-            <a:lvl1pPr algn="r" rtl="1"/>
-          </a:lstStyle>
+          <a:bodyPr/>
+          <a:lstStyle/>
           <a:p>
             <a:fld id="{51A83E91-2F2D-40F8-99D2-DD6E2C5BC9C2}" type="datetimeFigureOut">
               <a:rPr lang="en-US" smtClean="0"/>
-              <a:t>10/28/2019</a:t>
+              <a:t>2/9/2022</a:t>
             </a:fld>
             <a:endParaRPr lang="en-US"/>
           </a:p>
@@ -813,10 +773,8 @@
         </p:nvSpPr>
         <p:spPr/>
         <p:txBody>
-          <a:bodyPr rtlCol="1"/>
-          <a:lstStyle>
-            <a:lvl1pPr algn="r" rtl="1"/>
-          </a:lstStyle>
+          <a:bodyPr/>
+          <a:lstStyle/>
           <a:p>
             <a:endParaRPr lang="en-US"/>
           </a:p>
@@ -834,10 +792,8 @@
         </p:nvSpPr>
         <p:spPr/>
         <p:txBody>
-          <a:bodyPr rtlCol="1"/>
-          <a:lstStyle>
-            <a:lvl1pPr algn="r" rtl="1"/>
-          </a:lstStyle>
+          <a:bodyPr/>
+          <a:lstStyle/>
           <a:p>
             <a:fld id="{4BAB5BF5-7DA9-4E08-B387-E4C49BDE24D8}" type="slidenum">
               <a:rPr lang="en-US" smtClean="0"/>
@@ -894,18 +850,17 @@
           </a:xfrm>
         </p:spPr>
         <p:txBody>
-          <a:bodyPr anchor="b" rtlCol="1"/>
+          <a:bodyPr anchor="b"/>
           <a:lstStyle>
-            <a:lvl1pPr algn="r" rtl="1">
+            <a:lvl1pPr>
               <a:defRPr sz="6000"/>
             </a:lvl1pPr>
           </a:lstStyle>
           <a:p>
             <a:r>
-              <a:rPr lang="en-US" smtClean="0"/>
+              <a:rPr lang="en-US"/>
               <a:t>Click to edit Master title style</a:t>
             </a:r>
-            <a:endParaRPr lang="en-US"/>
           </a:p>
         </p:txBody>
       </p:sp>
@@ -926,9 +881,9 @@
           </a:xfrm>
         </p:spPr>
         <p:txBody>
-          <a:bodyPr rtlCol="1"/>
+          <a:bodyPr/>
           <a:lstStyle>
-            <a:lvl1pPr marL="0" indent="0" algn="r" rtl="1">
+            <a:lvl1pPr marL="0" indent="0">
               <a:buNone/>
               <a:defRPr sz="2400">
                 <a:solidFill>
@@ -938,7 +893,7 @@
                 </a:solidFill>
               </a:defRPr>
             </a:lvl1pPr>
-            <a:lvl2pPr marL="457200" indent="0" algn="r" rtl="1">
+            <a:lvl2pPr marL="457200" indent="0">
               <a:buNone/>
               <a:defRPr sz="2000">
                 <a:solidFill>
@@ -948,7 +903,7 @@
                 </a:solidFill>
               </a:defRPr>
             </a:lvl2pPr>
-            <a:lvl3pPr marL="914400" indent="0" algn="r" rtl="1">
+            <a:lvl3pPr marL="914400" indent="0">
               <a:buNone/>
               <a:defRPr sz="1800">
                 <a:solidFill>
@@ -958,7 +913,7 @@
                 </a:solidFill>
               </a:defRPr>
             </a:lvl3pPr>
-            <a:lvl4pPr marL="1371600" indent="0" algn="r" rtl="1">
+            <a:lvl4pPr marL="1371600" indent="0">
               <a:buNone/>
               <a:defRPr sz="1600">
                 <a:solidFill>
@@ -968,7 +923,7 @@
                 </a:solidFill>
               </a:defRPr>
             </a:lvl4pPr>
-            <a:lvl5pPr marL="1828800" indent="0" algn="r" rtl="1">
+            <a:lvl5pPr marL="1828800" indent="0">
               <a:buNone/>
               <a:defRPr sz="1600">
                 <a:solidFill>
@@ -978,7 +933,7 @@
                 </a:solidFill>
               </a:defRPr>
             </a:lvl5pPr>
-            <a:lvl6pPr marL="2286000" indent="0" algn="r" rtl="1">
+            <a:lvl6pPr marL="2286000" indent="0">
               <a:buNone/>
               <a:defRPr sz="1600">
                 <a:solidFill>
@@ -988,7 +943,7 @@
                 </a:solidFill>
               </a:defRPr>
             </a:lvl6pPr>
-            <a:lvl7pPr marL="2743200" indent="0" algn="r" rtl="1">
+            <a:lvl7pPr marL="2743200" indent="0">
               <a:buNone/>
               <a:defRPr sz="1600">
                 <a:solidFill>
@@ -998,7 +953,7 @@
                 </a:solidFill>
               </a:defRPr>
             </a:lvl7pPr>
-            <a:lvl8pPr marL="3200400" indent="0" algn="r" rtl="1">
+            <a:lvl8pPr marL="3200400" indent="0">
               <a:buNone/>
               <a:defRPr sz="1600">
                 <a:solidFill>
@@ -1008,7 +963,7 @@
                 </a:solidFill>
               </a:defRPr>
             </a:lvl8pPr>
-            <a:lvl9pPr marL="3657600" indent="0" algn="r" rtl="1">
+            <a:lvl9pPr marL="3657600" indent="0">
               <a:buNone/>
               <a:defRPr sz="1600">
                 <a:solidFill>
@@ -1020,9 +975,9 @@
             </a:lvl9pPr>
           </a:lstStyle>
           <a:p>
-            <a:pPr lvl="0" algn="r" rtl="1"/>
-            <a:r>
-              <a:rPr lang="en-US" smtClean="0"/>
+            <a:pPr lvl="0"/>
+            <a:r>
+              <a:rPr lang="en-US"/>
               <a:t>Edit Master text styles</a:t>
             </a:r>
           </a:p>
@@ -1040,14 +995,12 @@
         </p:nvSpPr>
         <p:spPr/>
         <p:txBody>
-          <a:bodyPr rtlCol="1"/>
-          <a:lstStyle>
-            <a:lvl1pPr algn="r" rtl="1"/>
-          </a:lstStyle>
+          <a:bodyPr/>
+          <a:lstStyle/>
           <a:p>
             <a:fld id="{51A83E91-2F2D-40F8-99D2-DD6E2C5BC9C2}" type="datetimeFigureOut">
               <a:rPr lang="en-US" smtClean="0"/>
-              <a:t>10/28/2019</a:t>
+              <a:t>2/9/2022</a:t>
             </a:fld>
             <a:endParaRPr lang="en-US"/>
           </a:p>
@@ -1065,10 +1018,8 @@
         </p:nvSpPr>
         <p:spPr/>
         <p:txBody>
-          <a:bodyPr rtlCol="1"/>
-          <a:lstStyle>
-            <a:lvl1pPr algn="r" rtl="1"/>
-          </a:lstStyle>
+          <a:bodyPr/>
+          <a:lstStyle/>
           <a:p>
             <a:endParaRPr lang="en-US"/>
           </a:p>
@@ -1086,10 +1037,8 @@
         </p:nvSpPr>
         <p:spPr/>
         <p:txBody>
-          <a:bodyPr rtlCol="1"/>
-          <a:lstStyle>
-            <a:lvl1pPr algn="r" rtl="1"/>
-          </a:lstStyle>
+          <a:bodyPr/>
+          <a:lstStyle/>
           <a:p>
             <a:fld id="{4BAB5BF5-7DA9-4E08-B387-E4C49BDE24D8}" type="slidenum">
               <a:rPr lang="en-US" smtClean="0"/>
@@ -1141,16 +1090,13 @@
         </p:nvSpPr>
         <p:spPr/>
         <p:txBody>
-          <a:bodyPr rtlCol="1"/>
-          <a:lstStyle>
-            <a:lvl1pPr algn="r" rtl="1"/>
-          </a:lstStyle>
-          <a:p>
-            <a:r>
-              <a:rPr lang="en-US" smtClean="0"/>
+          <a:bodyPr/>
+          <a:lstStyle/>
+          <a:p>
+            <a:r>
+              <a:rPr lang="en-US"/>
               <a:t>Click to edit Master title style</a:t>
             </a:r>
-            <a:endParaRPr lang="en-US"/>
           </a:p>
         </p:txBody>
       </p:sp>
@@ -1171,45 +1117,42 @@
           </a:xfrm>
         </p:spPr>
         <p:txBody>
-          <a:bodyPr rtlCol="1"/>
-          <a:lstStyle>
-            <a:lvl1pPr algn="r" rtl="1"/>
-          </a:lstStyle>
-          <a:p>
-            <a:pPr lvl="0" algn="r" rtl="1"/>
-            <a:r>
-              <a:rPr lang="en-US" smtClean="0"/>
+          <a:bodyPr/>
+          <a:lstStyle/>
+          <a:p>
+            <a:pPr lvl="0"/>
+            <a:r>
+              <a:rPr lang="en-US"/>
               <a:t>Edit Master text styles</a:t>
             </a:r>
           </a:p>
           <a:p>
-            <a:pPr lvl="1" algn="r" rtl="1"/>
-            <a:r>
-              <a:rPr lang="en-US" smtClean="0"/>
+            <a:pPr lvl="1"/>
+            <a:r>
+              <a:rPr lang="en-US"/>
               <a:t>Second level</a:t>
             </a:r>
           </a:p>
           <a:p>
-            <a:pPr lvl="2" algn="r" rtl="1"/>
-            <a:r>
-              <a:rPr lang="en-US" smtClean="0"/>
+            <a:pPr lvl="2"/>
+            <a:r>
+              <a:rPr lang="en-US"/>
               <a:t>Third level</a:t>
             </a:r>
           </a:p>
           <a:p>
-            <a:pPr lvl="3" algn="r" rtl="1"/>
-            <a:r>
-              <a:rPr lang="en-US" smtClean="0"/>
+            <a:pPr lvl="3"/>
+            <a:r>
+              <a:rPr lang="en-US"/>
               <a:t>Fourth level</a:t>
             </a:r>
           </a:p>
           <a:p>
-            <a:pPr lvl="4" algn="r" rtl="1"/>
-            <a:r>
-              <a:rPr lang="en-US" smtClean="0"/>
+            <a:pPr lvl="4"/>
+            <a:r>
+              <a:rPr lang="en-US"/>
               <a:t>Fifth level</a:t>
             </a:r>
-            <a:endParaRPr lang="en-US"/>
           </a:p>
         </p:txBody>
       </p:sp>
@@ -1230,45 +1173,42 @@
           </a:xfrm>
         </p:spPr>
         <p:txBody>
-          <a:bodyPr rtlCol="1"/>
-          <a:lstStyle>
-            <a:lvl1pPr algn="r" rtl="1"/>
-          </a:lstStyle>
-          <a:p>
-            <a:pPr lvl="0" algn="r" rtl="1"/>
-            <a:r>
-              <a:rPr lang="en-US" smtClean="0"/>
+          <a:bodyPr/>
+          <a:lstStyle/>
+          <a:p>
+            <a:pPr lvl="0"/>
+            <a:r>
+              <a:rPr lang="en-US"/>
               <a:t>Edit Master text styles</a:t>
             </a:r>
           </a:p>
           <a:p>
-            <a:pPr lvl="1" algn="r" rtl="1"/>
-            <a:r>
-              <a:rPr lang="en-US" smtClean="0"/>
+            <a:pPr lvl="1"/>
+            <a:r>
+              <a:rPr lang="en-US"/>
               <a:t>Second level</a:t>
             </a:r>
           </a:p>
           <a:p>
-            <a:pPr lvl="2" algn="r" rtl="1"/>
-            <a:r>
-              <a:rPr lang="en-US" smtClean="0"/>
+            <a:pPr lvl="2"/>
+            <a:r>
+              <a:rPr lang="en-US"/>
               <a:t>Third level</a:t>
             </a:r>
           </a:p>
           <a:p>
-            <a:pPr lvl="3" algn="r" rtl="1"/>
-            <a:r>
-              <a:rPr lang="en-US" smtClean="0"/>
+            <a:pPr lvl="3"/>
+            <a:r>
+              <a:rPr lang="en-US"/>
               <a:t>Fourth level</a:t>
             </a:r>
           </a:p>
           <a:p>
-            <a:pPr lvl="4" algn="r" rtl="1"/>
-            <a:r>
-              <a:rPr lang="en-US" smtClean="0"/>
+            <a:pPr lvl="4"/>
+            <a:r>
+              <a:rPr lang="en-US"/>
               <a:t>Fifth level</a:t>
             </a:r>
-            <a:endParaRPr lang="en-US"/>
           </a:p>
         </p:txBody>
       </p:sp>
@@ -1284,14 +1224,12 @@
         </p:nvSpPr>
         <p:spPr/>
         <p:txBody>
-          <a:bodyPr rtlCol="1"/>
-          <a:lstStyle>
-            <a:lvl1pPr algn="r" rtl="1"/>
-          </a:lstStyle>
+          <a:bodyPr/>
+          <a:lstStyle/>
           <a:p>
             <a:fld id="{51A83E91-2F2D-40F8-99D2-DD6E2C5BC9C2}" type="datetimeFigureOut">
               <a:rPr lang="en-US" smtClean="0"/>
-              <a:t>10/28/2019</a:t>
+              <a:t>2/9/2022</a:t>
             </a:fld>
             <a:endParaRPr lang="en-US"/>
           </a:p>
@@ -1309,10 +1247,8 @@
         </p:nvSpPr>
         <p:spPr/>
         <p:txBody>
-          <a:bodyPr rtlCol="1"/>
-          <a:lstStyle>
-            <a:lvl1pPr algn="r" rtl="1"/>
-          </a:lstStyle>
+          <a:bodyPr/>
+          <a:lstStyle/>
           <a:p>
             <a:endParaRPr lang="en-US"/>
           </a:p>
@@ -1330,10 +1266,8 @@
         </p:nvSpPr>
         <p:spPr/>
         <p:txBody>
-          <a:bodyPr rtlCol="1"/>
-          <a:lstStyle>
-            <a:lvl1pPr algn="r" rtl="1"/>
-          </a:lstStyle>
+          <a:bodyPr/>
+          <a:lstStyle/>
           <a:p>
             <a:fld id="{4BAB5BF5-7DA9-4E08-B387-E4C49BDE24D8}" type="slidenum">
               <a:rPr lang="en-US" smtClean="0"/>
@@ -1390,16 +1324,13 @@
           </a:xfrm>
         </p:spPr>
         <p:txBody>
-          <a:bodyPr rtlCol="1"/>
-          <a:lstStyle>
-            <a:lvl1pPr algn="r" rtl="1"/>
-          </a:lstStyle>
-          <a:p>
-            <a:r>
-              <a:rPr lang="en-US" smtClean="0"/>
+          <a:bodyPr/>
+          <a:lstStyle/>
+          <a:p>
+            <a:r>
+              <a:rPr lang="en-US"/>
               <a:t>Click to edit Master title style</a:t>
             </a:r>
-            <a:endParaRPr lang="en-US"/>
           </a:p>
         </p:txBody>
       </p:sp>
@@ -1420,49 +1351,49 @@
           </a:xfrm>
         </p:spPr>
         <p:txBody>
-          <a:bodyPr anchor="b" rtlCol="1"/>
+          <a:bodyPr anchor="b"/>
           <a:lstStyle>
-            <a:lvl1pPr marL="0" indent="0" algn="r" rtl="1">
+            <a:lvl1pPr marL="0" indent="0">
               <a:buNone/>
               <a:defRPr sz="2400" b="1"/>
             </a:lvl1pPr>
-            <a:lvl2pPr marL="457200" indent="0" algn="r" rtl="1">
+            <a:lvl2pPr marL="457200" indent="0">
               <a:buNone/>
               <a:defRPr sz="2000" b="1"/>
             </a:lvl2pPr>
-            <a:lvl3pPr marL="914400" indent="0" algn="r" rtl="1">
+            <a:lvl3pPr marL="914400" indent="0">
               <a:buNone/>
               <a:defRPr sz="1800" b="1"/>
             </a:lvl3pPr>
-            <a:lvl4pPr marL="1371600" indent="0" algn="r" rtl="1">
+            <a:lvl4pPr marL="1371600" indent="0">
               <a:buNone/>
               <a:defRPr sz="1600" b="1"/>
             </a:lvl4pPr>
-            <a:lvl5pPr marL="1828800" indent="0" algn="r" rtl="1">
+            <a:lvl5pPr marL="1828800" indent="0">
               <a:buNone/>
               <a:defRPr sz="1600" b="1"/>
             </a:lvl5pPr>
-            <a:lvl6pPr marL="2286000" indent="0" algn="r" rtl="1">
+            <a:lvl6pPr marL="2286000" indent="0">
               <a:buNone/>
               <a:defRPr sz="1600" b="1"/>
             </a:lvl6pPr>
-            <a:lvl7pPr marL="2743200" indent="0" algn="r" rtl="1">
+            <a:lvl7pPr marL="2743200" indent="0">
               <a:buNone/>
               <a:defRPr sz="1600" b="1"/>
             </a:lvl7pPr>
-            <a:lvl8pPr marL="3200400" indent="0" algn="r" rtl="1">
+            <a:lvl8pPr marL="3200400" indent="0">
               <a:buNone/>
               <a:defRPr sz="1600" b="1"/>
             </a:lvl8pPr>
-            <a:lvl9pPr marL="3657600" indent="0" algn="r" rtl="1">
+            <a:lvl9pPr marL="3657600" indent="0">
               <a:buNone/>
               <a:defRPr sz="1600" b="1"/>
             </a:lvl9pPr>
           </a:lstStyle>
           <a:p>
-            <a:pPr lvl="0" algn="r" rtl="1"/>
-            <a:r>
-              <a:rPr lang="en-US" smtClean="0"/>
+            <a:pPr lvl="0"/>
+            <a:r>
+              <a:rPr lang="en-US"/>
               <a:t>Edit Master text styles</a:t>
             </a:r>
           </a:p>
@@ -1485,45 +1416,42 @@
           </a:xfrm>
         </p:spPr>
         <p:txBody>
-          <a:bodyPr rtlCol="1"/>
-          <a:lstStyle>
-            <a:lvl1pPr algn="r" rtl="1"/>
-          </a:lstStyle>
-          <a:p>
-            <a:pPr lvl="0" algn="r" rtl="1"/>
-            <a:r>
-              <a:rPr lang="en-US" smtClean="0"/>
+          <a:bodyPr/>
+          <a:lstStyle/>
+          <a:p>
+            <a:pPr lvl="0"/>
+            <a:r>
+              <a:rPr lang="en-US"/>
               <a:t>Edit Master text styles</a:t>
             </a:r>
           </a:p>
           <a:p>
-            <a:pPr lvl="1" algn="r" rtl="1"/>
-            <a:r>
-              <a:rPr lang="en-US" smtClean="0"/>
+            <a:pPr lvl="1"/>
+            <a:r>
+              <a:rPr lang="en-US"/>
               <a:t>Second level</a:t>
             </a:r>
           </a:p>
           <a:p>
-            <a:pPr lvl="2" algn="r" rtl="1"/>
-            <a:r>
-              <a:rPr lang="en-US" smtClean="0"/>
+            <a:pPr lvl="2"/>
+            <a:r>
+              <a:rPr lang="en-US"/>
               <a:t>Third level</a:t>
             </a:r>
           </a:p>
           <a:p>
-            <a:pPr lvl="3" algn="r" rtl="1"/>
-            <a:r>
-              <a:rPr lang="en-US" smtClean="0"/>
+            <a:pPr lvl="3"/>
+            <a:r>
+              <a:rPr lang="en-US"/>
               <a:t>Fourth level</a:t>
             </a:r>
           </a:p>
           <a:p>
-            <a:pPr lvl="4" algn="r" rtl="1"/>
-            <a:r>
-              <a:rPr lang="en-US" smtClean="0"/>
+            <a:pPr lvl="4"/>
+            <a:r>
+              <a:rPr lang="en-US"/>
               <a:t>Fifth level</a:t>
             </a:r>
-            <a:endParaRPr lang="en-US"/>
           </a:p>
         </p:txBody>
       </p:sp>
@@ -1544,49 +1472,49 @@
           </a:xfrm>
         </p:spPr>
         <p:txBody>
-          <a:bodyPr anchor="b" rtlCol="1"/>
+          <a:bodyPr anchor="b"/>
           <a:lstStyle>
-            <a:lvl1pPr marL="0" indent="0" algn="r" rtl="1">
+            <a:lvl1pPr marL="0" indent="0">
               <a:buNone/>
               <a:defRPr sz="2400" b="1"/>
             </a:lvl1pPr>
-            <a:lvl2pPr marL="457200" indent="0" algn="r" rtl="1">
+            <a:lvl2pPr marL="457200" indent="0">
               <a:buNone/>
               <a:defRPr sz="2000" b="1"/>
             </a:lvl2pPr>
-            <a:lvl3pPr marL="914400" indent="0" algn="r" rtl="1">
+            <a:lvl3pPr marL="914400" indent="0">
               <a:buNone/>
               <a:defRPr sz="1800" b="1"/>
             </a:lvl3pPr>
-            <a:lvl4pPr marL="1371600" indent="0" algn="r" rtl="1">
+            <a:lvl4pPr marL="1371600" indent="0">
               <a:buNone/>
               <a:defRPr sz="1600" b="1"/>
             </a:lvl4pPr>
-            <a:lvl5pPr marL="1828800" indent="0" algn="r" rtl="1">
+            <a:lvl5pPr marL="1828800" indent="0">
               <a:buNone/>
               <a:defRPr sz="1600" b="1"/>
             </a:lvl5pPr>
-            <a:lvl6pPr marL="2286000" indent="0" algn="r" rtl="1">
+            <a:lvl6pPr marL="2286000" indent="0">
               <a:buNone/>
               <a:defRPr sz="1600" b="1"/>
             </a:lvl6pPr>
-            <a:lvl7pPr marL="2743200" indent="0" algn="r" rtl="1">
+            <a:lvl7pPr marL="2743200" indent="0">
               <a:buNone/>
               <a:defRPr sz="1600" b="1"/>
             </a:lvl7pPr>
-            <a:lvl8pPr marL="3200400" indent="0" algn="r" rtl="1">
+            <a:lvl8pPr marL="3200400" indent="0">
               <a:buNone/>
               <a:defRPr sz="1600" b="1"/>
             </a:lvl8pPr>
-            <a:lvl9pPr marL="3657600" indent="0" algn="r" rtl="1">
+            <a:lvl9pPr marL="3657600" indent="0">
               <a:buNone/>
               <a:defRPr sz="1600" b="1"/>
             </a:lvl9pPr>
           </a:lstStyle>
           <a:p>
-            <a:pPr lvl="0" algn="r" rtl="1"/>
-            <a:r>
-              <a:rPr lang="en-US" smtClean="0"/>
+            <a:pPr lvl="0"/>
+            <a:r>
+              <a:rPr lang="en-US"/>
               <a:t>Edit Master text styles</a:t>
             </a:r>
           </a:p>
@@ -1609,45 +1537,42 @@
           </a:xfrm>
         </p:spPr>
         <p:txBody>
-          <a:bodyPr rtlCol="1"/>
-          <a:lstStyle>
-            <a:lvl1pPr algn="r" rtl="1"/>
-          </a:lstStyle>
-          <a:p>
-            <a:pPr lvl="0" algn="r" rtl="1"/>
-            <a:r>
-              <a:rPr lang="en-US" smtClean="0"/>
+          <a:bodyPr/>
+          <a:lstStyle/>
+          <a:p>
+            <a:pPr lvl="0"/>
+            <a:r>
+              <a:rPr lang="en-US"/>
               <a:t>Edit Master text styles</a:t>
             </a:r>
           </a:p>
           <a:p>
-            <a:pPr lvl="1" algn="r" rtl="1"/>
-            <a:r>
-              <a:rPr lang="en-US" smtClean="0"/>
+            <a:pPr lvl="1"/>
+            <a:r>
+              <a:rPr lang="en-US"/>
               <a:t>Second level</a:t>
             </a:r>
           </a:p>
           <a:p>
-            <a:pPr lvl="2" algn="r" rtl="1"/>
-            <a:r>
-              <a:rPr lang="en-US" smtClean="0"/>
+            <a:pPr lvl="2"/>
+            <a:r>
+              <a:rPr lang="en-US"/>
               <a:t>Third level</a:t>
             </a:r>
           </a:p>
           <a:p>
-            <a:pPr lvl="3" algn="r" rtl="1"/>
-            <a:r>
-              <a:rPr lang="en-US" smtClean="0"/>
+            <a:pPr lvl="3"/>
+            <a:r>
+              <a:rPr lang="en-US"/>
               <a:t>Fourth level</a:t>
             </a:r>
           </a:p>
           <a:p>
-            <a:pPr lvl="4" algn="r" rtl="1"/>
-            <a:r>
-              <a:rPr lang="en-US" smtClean="0"/>
+            <a:pPr lvl="4"/>
+            <a:r>
+              <a:rPr lang="en-US"/>
               <a:t>Fifth level</a:t>
             </a:r>
-            <a:endParaRPr lang="en-US"/>
           </a:p>
         </p:txBody>
       </p:sp>
@@ -1663,14 +1588,12 @@
         </p:nvSpPr>
         <p:spPr/>
         <p:txBody>
-          <a:bodyPr rtlCol="1"/>
-          <a:lstStyle>
-            <a:lvl1pPr algn="r" rtl="1"/>
-          </a:lstStyle>
+          <a:bodyPr/>
+          <a:lstStyle/>
           <a:p>
             <a:fld id="{51A83E91-2F2D-40F8-99D2-DD6E2C5BC9C2}" type="datetimeFigureOut">
               <a:rPr lang="en-US" smtClean="0"/>
-              <a:t>10/28/2019</a:t>
+              <a:t>2/9/2022</a:t>
             </a:fld>
             <a:endParaRPr lang="en-US"/>
           </a:p>
@@ -1688,10 +1611,8 @@
         </p:nvSpPr>
         <p:spPr/>
         <p:txBody>
-          <a:bodyPr rtlCol="1"/>
-          <a:lstStyle>
-            <a:lvl1pPr algn="r" rtl="1"/>
-          </a:lstStyle>
+          <a:bodyPr/>
+          <a:lstStyle/>
           <a:p>
             <a:endParaRPr lang="en-US"/>
           </a:p>
@@ -1709,10 +1630,8 @@
         </p:nvSpPr>
         <p:spPr/>
         <p:txBody>
-          <a:bodyPr rtlCol="1"/>
-          <a:lstStyle>
-            <a:lvl1pPr algn="r" rtl="1"/>
-          </a:lstStyle>
+          <a:bodyPr/>
+          <a:lstStyle/>
           <a:p>
             <a:fld id="{4BAB5BF5-7DA9-4E08-B387-E4C49BDE24D8}" type="slidenum">
               <a:rPr lang="en-US" smtClean="0"/>
@@ -1764,16 +1683,13 @@
         </p:nvSpPr>
         <p:spPr/>
         <p:txBody>
-          <a:bodyPr rtlCol="1"/>
-          <a:lstStyle>
-            <a:lvl1pPr algn="r" rtl="1"/>
-          </a:lstStyle>
-          <a:p>
-            <a:r>
-              <a:rPr lang="en-US" smtClean="0"/>
+          <a:bodyPr/>
+          <a:lstStyle/>
+          <a:p>
+            <a:r>
+              <a:rPr lang="en-US"/>
               <a:t>Click to edit Master title style</a:t>
             </a:r>
-            <a:endParaRPr lang="en-US"/>
           </a:p>
         </p:txBody>
       </p:sp>
@@ -1789,14 +1705,12 @@
         </p:nvSpPr>
         <p:spPr/>
         <p:txBody>
-          <a:bodyPr rtlCol="1"/>
-          <a:lstStyle>
-            <a:lvl1pPr algn="r" rtl="1"/>
-          </a:lstStyle>
+          <a:bodyPr/>
+          <a:lstStyle/>
           <a:p>
             <a:fld id="{51A83E91-2F2D-40F8-99D2-DD6E2C5BC9C2}" type="datetimeFigureOut">
               <a:rPr lang="en-US" smtClean="0"/>
-              <a:t>10/28/2019</a:t>
+              <a:t>2/9/2022</a:t>
             </a:fld>
             <a:endParaRPr lang="en-US"/>
           </a:p>
@@ -1814,10 +1728,8 @@
         </p:nvSpPr>
         <p:spPr/>
         <p:txBody>
-          <a:bodyPr rtlCol="1"/>
-          <a:lstStyle>
-            <a:lvl1pPr algn="r" rtl="1"/>
-          </a:lstStyle>
+          <a:bodyPr/>
+          <a:lstStyle/>
           <a:p>
             <a:endParaRPr lang="en-US"/>
           </a:p>
@@ -1835,10 +1747,8 @@
         </p:nvSpPr>
         <p:spPr/>
         <p:txBody>
-          <a:bodyPr rtlCol="1"/>
-          <a:lstStyle>
-            <a:lvl1pPr algn="r" rtl="1"/>
-          </a:lstStyle>
+          <a:bodyPr/>
+          <a:lstStyle/>
           <a:p>
             <a:fld id="{4BAB5BF5-7DA9-4E08-B387-E4C49BDE24D8}" type="slidenum">
               <a:rPr lang="en-US" smtClean="0"/>
@@ -1890,14 +1800,12 @@
         </p:nvSpPr>
         <p:spPr/>
         <p:txBody>
-          <a:bodyPr rtlCol="1"/>
-          <a:lstStyle>
-            <a:lvl1pPr algn="r" rtl="1"/>
-          </a:lstStyle>
+          <a:bodyPr/>
+          <a:lstStyle/>
           <a:p>
             <a:fld id="{51A83E91-2F2D-40F8-99D2-DD6E2C5BC9C2}" type="datetimeFigureOut">
               <a:rPr lang="en-US" smtClean="0"/>
-              <a:t>10/28/2019</a:t>
+              <a:t>2/9/2022</a:t>
             </a:fld>
             <a:endParaRPr lang="en-US"/>
           </a:p>
@@ -1915,10 +1823,8 @@
         </p:nvSpPr>
         <p:spPr/>
         <p:txBody>
-          <a:bodyPr rtlCol="1"/>
-          <a:lstStyle>
-            <a:lvl1pPr algn="r" rtl="1"/>
-          </a:lstStyle>
+          <a:bodyPr/>
+          <a:lstStyle/>
           <a:p>
             <a:endParaRPr lang="en-US"/>
           </a:p>
@@ -1936,10 +1842,8 @@
         </p:nvSpPr>
         <p:spPr/>
         <p:txBody>
-          <a:bodyPr rtlCol="1"/>
-          <a:lstStyle>
-            <a:lvl1pPr algn="r" rtl="1"/>
-          </a:lstStyle>
+          <a:bodyPr/>
+          <a:lstStyle/>
           <a:p>
             <a:fld id="{4BAB5BF5-7DA9-4E08-B387-E4C49BDE24D8}" type="slidenum">
               <a:rPr lang="en-US" smtClean="0"/>
@@ -1996,18 +1900,17 @@
           </a:xfrm>
         </p:spPr>
         <p:txBody>
-          <a:bodyPr anchor="b" rtlCol="1"/>
+          <a:bodyPr anchor="b"/>
           <a:lstStyle>
-            <a:lvl1pPr algn="r" rtl="1">
+            <a:lvl1pPr>
               <a:defRPr sz="3200"/>
             </a:lvl1pPr>
           </a:lstStyle>
           <a:p>
             <a:r>
-              <a:rPr lang="en-US" smtClean="0"/>
+              <a:rPr lang="en-US"/>
               <a:t>Click to edit Master title style</a:t>
             </a:r>
-            <a:endParaRPr lang="en-US"/>
           </a:p>
         </p:txBody>
       </p:sp>
@@ -2028,71 +1931,70 @@
           </a:xfrm>
         </p:spPr>
         <p:txBody>
-          <a:bodyPr rtlCol="1"/>
+          <a:bodyPr/>
           <a:lstStyle>
-            <a:lvl1pPr algn="r" rtl="1">
+            <a:lvl1pPr>
               <a:defRPr sz="3200"/>
             </a:lvl1pPr>
-            <a:lvl2pPr algn="r" rtl="1">
+            <a:lvl2pPr>
               <a:defRPr sz="2800"/>
             </a:lvl2pPr>
-            <a:lvl3pPr algn="r" rtl="1">
+            <a:lvl3pPr>
               <a:defRPr sz="2400"/>
             </a:lvl3pPr>
-            <a:lvl4pPr algn="r" rtl="1">
+            <a:lvl4pPr>
               <a:defRPr sz="2000"/>
             </a:lvl4pPr>
-            <a:lvl5pPr algn="r" rtl="1">
+            <a:lvl5pPr>
               <a:defRPr sz="2000"/>
             </a:lvl5pPr>
-            <a:lvl6pPr algn="r" rtl="1">
+            <a:lvl6pPr>
               <a:defRPr sz="2000"/>
             </a:lvl6pPr>
-            <a:lvl7pPr algn="r" rtl="1">
+            <a:lvl7pPr>
               <a:defRPr sz="2000"/>
             </a:lvl7pPr>
-            <a:lvl8pPr algn="r" rtl="1">
+            <a:lvl8pPr>
               <a:defRPr sz="2000"/>
             </a:lvl8pPr>
-            <a:lvl9pPr algn="r" rtl="1">
+            <a:lvl9pPr>
               <a:defRPr sz="2000"/>
             </a:lvl9pPr>
           </a:lstStyle>
           <a:p>
-            <a:pPr lvl="0" algn="r" rtl="1"/>
-            <a:r>
-              <a:rPr lang="en-US" smtClean="0"/>
+            <a:pPr lvl="0"/>
+            <a:r>
+              <a:rPr lang="en-US"/>
               <a:t>Edit Master text styles</a:t>
             </a:r>
           </a:p>
           <a:p>
-            <a:pPr lvl="1" algn="r" rtl="1"/>
-            <a:r>
-              <a:rPr lang="en-US" smtClean="0"/>
+            <a:pPr lvl="1"/>
+            <a:r>
+              <a:rPr lang="en-US"/>
               <a:t>Second level</a:t>
             </a:r>
           </a:p>
           <a:p>
-            <a:pPr lvl="2" algn="r" rtl="1"/>
-            <a:r>
-              <a:rPr lang="en-US" smtClean="0"/>
+            <a:pPr lvl="2"/>
+            <a:r>
+              <a:rPr lang="en-US"/>
               <a:t>Third level</a:t>
             </a:r>
           </a:p>
           <a:p>
-            <a:pPr lvl="3" algn="r" rtl="1"/>
-            <a:r>
-              <a:rPr lang="en-US" smtClean="0"/>
+            <a:pPr lvl="3"/>
+            <a:r>
+              <a:rPr lang="en-US"/>
               <a:t>Fourth level</a:t>
             </a:r>
           </a:p>
           <a:p>
-            <a:pPr lvl="4" algn="r" rtl="1"/>
-            <a:r>
-              <a:rPr lang="en-US" smtClean="0"/>
+            <a:pPr lvl="4"/>
+            <a:r>
+              <a:rPr lang="en-US"/>
               <a:t>Fifth level</a:t>
             </a:r>
-            <a:endParaRPr lang="en-US"/>
           </a:p>
         </p:txBody>
       </p:sp>
@@ -2113,49 +2015,49 @@
           </a:xfrm>
         </p:spPr>
         <p:txBody>
-          <a:bodyPr rtlCol="1"/>
+          <a:bodyPr/>
           <a:lstStyle>
-            <a:lvl1pPr marL="0" indent="0" algn="r" rtl="1">
+            <a:lvl1pPr marL="0" indent="0">
               <a:buNone/>
               <a:defRPr sz="1600"/>
             </a:lvl1pPr>
-            <a:lvl2pPr marL="457200" indent="0" algn="r" rtl="1">
+            <a:lvl2pPr marL="457200" indent="0">
               <a:buNone/>
               <a:defRPr sz="1400"/>
             </a:lvl2pPr>
-            <a:lvl3pPr marL="914400" indent="0" algn="r" rtl="1">
+            <a:lvl3pPr marL="914400" indent="0">
               <a:buNone/>
               <a:defRPr sz="1200"/>
             </a:lvl3pPr>
-            <a:lvl4pPr marL="1371600" indent="0" algn="r" rtl="1">
+            <a:lvl4pPr marL="1371600" indent="0">
               <a:buNone/>
               <a:defRPr sz="1000"/>
             </a:lvl4pPr>
-            <a:lvl5pPr marL="1828800" indent="0" algn="r" rtl="1">
+            <a:lvl5pPr marL="1828800" indent="0">
               <a:buNone/>
               <a:defRPr sz="1000"/>
             </a:lvl5pPr>
-            <a:lvl6pPr marL="2286000" indent="0" algn="r" rtl="1">
+            <a:lvl6pPr marL="2286000" indent="0">
               <a:buNone/>
               <a:defRPr sz="1000"/>
             </a:lvl6pPr>
-            <a:lvl7pPr marL="2743200" indent="0" algn="r" rtl="1">
+            <a:lvl7pPr marL="2743200" indent="0">
               <a:buNone/>
               <a:defRPr sz="1000"/>
             </a:lvl7pPr>
-            <a:lvl8pPr marL="3200400" indent="0" algn="r" rtl="1">
+            <a:lvl8pPr marL="3200400" indent="0">
               <a:buNone/>
               <a:defRPr sz="1000"/>
             </a:lvl8pPr>
-            <a:lvl9pPr marL="3657600" indent="0" algn="r" rtl="1">
+            <a:lvl9pPr marL="3657600" indent="0">
               <a:buNone/>
               <a:defRPr sz="1000"/>
             </a:lvl9pPr>
           </a:lstStyle>
           <a:p>
-            <a:pPr lvl="0" algn="r" rtl="1"/>
-            <a:r>
-              <a:rPr lang="en-US" smtClean="0"/>
+            <a:pPr lvl="0"/>
+            <a:r>
+              <a:rPr lang="en-US"/>
               <a:t>Edit Master text styles</a:t>
             </a:r>
           </a:p>
@@ -2173,14 +2075,12 @@
         </p:nvSpPr>
         <p:spPr/>
         <p:txBody>
-          <a:bodyPr rtlCol="1"/>
-          <a:lstStyle>
-            <a:lvl1pPr algn="r" rtl="1"/>
-          </a:lstStyle>
+          <a:bodyPr/>
+          <a:lstStyle/>
           <a:p>
             <a:fld id="{51A83E91-2F2D-40F8-99D2-DD6E2C5BC9C2}" type="datetimeFigureOut">
               <a:rPr lang="en-US" smtClean="0"/>
-              <a:t>10/28/2019</a:t>
+              <a:t>2/9/2022</a:t>
             </a:fld>
             <a:endParaRPr lang="en-US"/>
           </a:p>
@@ -2198,10 +2098,8 @@
         </p:nvSpPr>
         <p:spPr/>
         <p:txBody>
-          <a:bodyPr rtlCol="1"/>
-          <a:lstStyle>
-            <a:lvl1pPr algn="r" rtl="1"/>
-          </a:lstStyle>
+          <a:bodyPr/>
+          <a:lstStyle/>
           <a:p>
             <a:endParaRPr lang="en-US"/>
           </a:p>
@@ -2219,10 +2117,8 @@
         </p:nvSpPr>
         <p:spPr/>
         <p:txBody>
-          <a:bodyPr rtlCol="1"/>
-          <a:lstStyle>
-            <a:lvl1pPr algn="r" rtl="1"/>
-          </a:lstStyle>
+          <a:bodyPr/>
+          <a:lstStyle/>
           <a:p>
             <a:fld id="{4BAB5BF5-7DA9-4E08-B387-E4C49BDE24D8}" type="slidenum">
               <a:rPr lang="en-US" smtClean="0"/>
@@ -2279,18 +2175,17 @@
           </a:xfrm>
         </p:spPr>
         <p:txBody>
-          <a:bodyPr anchor="b" rtlCol="1"/>
+          <a:bodyPr anchor="b"/>
           <a:lstStyle>
-            <a:lvl1pPr algn="r" rtl="1">
+            <a:lvl1pPr>
               <a:defRPr sz="3200"/>
             </a:lvl1pPr>
           </a:lstStyle>
           <a:p>
             <a:r>
-              <a:rPr lang="en-US" smtClean="0"/>
+              <a:rPr lang="en-US"/>
               <a:t>Click to edit Master title style</a:t>
             </a:r>
-            <a:endParaRPr lang="en-US"/>
           </a:p>
         </p:txBody>
       </p:sp>
@@ -2311,41 +2206,41 @@
           </a:xfrm>
         </p:spPr>
         <p:txBody>
-          <a:bodyPr rtlCol="1"/>
+          <a:bodyPr/>
           <a:lstStyle>
-            <a:lvl1pPr marL="0" indent="0" algn="r" rtl="1">
+            <a:lvl1pPr marL="0" indent="0">
               <a:buNone/>
               <a:defRPr sz="3200"/>
             </a:lvl1pPr>
-            <a:lvl2pPr marL="457200" indent="0" algn="r" rtl="1">
+            <a:lvl2pPr marL="457200" indent="0">
               <a:buNone/>
               <a:defRPr sz="2800"/>
             </a:lvl2pPr>
-            <a:lvl3pPr marL="914400" indent="0" algn="r" rtl="1">
+            <a:lvl3pPr marL="914400" indent="0">
               <a:buNone/>
               <a:defRPr sz="2400"/>
             </a:lvl3pPr>
-            <a:lvl4pPr marL="1371600" indent="0" algn="r" rtl="1">
+            <a:lvl4pPr marL="1371600" indent="0">
               <a:buNone/>
               <a:defRPr sz="2000"/>
             </a:lvl4pPr>
-            <a:lvl5pPr marL="1828800" indent="0" algn="r" rtl="1">
+            <a:lvl5pPr marL="1828800" indent="0">
               <a:buNone/>
               <a:defRPr sz="2000"/>
             </a:lvl5pPr>
-            <a:lvl6pPr marL="2286000" indent="0" algn="r" rtl="1">
+            <a:lvl6pPr marL="2286000" indent="0">
               <a:buNone/>
               <a:defRPr sz="2000"/>
             </a:lvl6pPr>
-            <a:lvl7pPr marL="2743200" indent="0" algn="r" rtl="1">
+            <a:lvl7pPr marL="2743200" indent="0">
               <a:buNone/>
               <a:defRPr sz="2000"/>
             </a:lvl7pPr>
-            <a:lvl8pPr marL="3200400" indent="0" algn="r" rtl="1">
+            <a:lvl8pPr marL="3200400" indent="0">
               <a:buNone/>
               <a:defRPr sz="2000"/>
             </a:lvl8pPr>
-            <a:lvl9pPr marL="3657600" indent="0" algn="r" rtl="1">
+            <a:lvl9pPr marL="3657600" indent="0">
               <a:buNone/>
               <a:defRPr sz="2000"/>
             </a:lvl9pPr>
@@ -2372,49 +2267,49 @@
           </a:xfrm>
         </p:spPr>
         <p:txBody>
-          <a:bodyPr rtlCol="1"/>
+          <a:bodyPr/>
           <a:lstStyle>
-            <a:lvl1pPr marL="0" indent="0" algn="r" rtl="1">
+            <a:lvl1pPr marL="0" indent="0">
               <a:buNone/>
               <a:defRPr sz="1600"/>
             </a:lvl1pPr>
-            <a:lvl2pPr marL="457200" indent="0" algn="r" rtl="1">
+            <a:lvl2pPr marL="457200" indent="0">
               <a:buNone/>
               <a:defRPr sz="1400"/>
             </a:lvl2pPr>
-            <a:lvl3pPr marL="914400" indent="0" algn="r" rtl="1">
+            <a:lvl3pPr marL="914400" indent="0">
               <a:buNone/>
               <a:defRPr sz="1200"/>
             </a:lvl3pPr>
-            <a:lvl4pPr marL="1371600" indent="0" algn="r" rtl="1">
+            <a:lvl4pPr marL="1371600" indent="0">
               <a:buNone/>
               <a:defRPr sz="1000"/>
             </a:lvl4pPr>
-            <a:lvl5pPr marL="1828800" indent="0" algn="r" rtl="1">
+            <a:lvl5pPr marL="1828800" indent="0">
               <a:buNone/>
               <a:defRPr sz="1000"/>
             </a:lvl5pPr>
-            <a:lvl6pPr marL="2286000" indent="0" algn="r" rtl="1">
+            <a:lvl6pPr marL="2286000" indent="0">
               <a:buNone/>
               <a:defRPr sz="1000"/>
             </a:lvl6pPr>
-            <a:lvl7pPr marL="2743200" indent="0" algn="r" rtl="1">
+            <a:lvl7pPr marL="2743200" indent="0">
               <a:buNone/>
               <a:defRPr sz="1000"/>
             </a:lvl7pPr>
-            <a:lvl8pPr marL="3200400" indent="0" algn="r" rtl="1">
+            <a:lvl8pPr marL="3200400" indent="0">
               <a:buNone/>
               <a:defRPr sz="1000"/>
             </a:lvl8pPr>
-            <a:lvl9pPr marL="3657600" indent="0" algn="r" rtl="1">
+            <a:lvl9pPr marL="3657600" indent="0">
               <a:buNone/>
               <a:defRPr sz="1000"/>
             </a:lvl9pPr>
           </a:lstStyle>
           <a:p>
-            <a:pPr lvl="0" algn="r" rtl="1"/>
-            <a:r>
-              <a:rPr lang="en-US" smtClean="0"/>
+            <a:pPr lvl="0"/>
+            <a:r>
+              <a:rPr lang="en-US"/>
               <a:t>Edit Master text styles</a:t>
             </a:r>
           </a:p>
@@ -2432,14 +2327,12 @@
         </p:nvSpPr>
         <p:spPr/>
         <p:txBody>
-          <a:bodyPr rtlCol="1"/>
-          <a:lstStyle>
-            <a:lvl1pPr algn="r" rtl="1"/>
-          </a:lstStyle>
+          <a:bodyPr/>
+          <a:lstStyle/>
           <a:p>
             <a:fld id="{51A83E91-2F2D-40F8-99D2-DD6E2C5BC9C2}" type="datetimeFigureOut">
               <a:rPr lang="en-US" smtClean="0"/>
-              <a:t>10/28/2019</a:t>
+              <a:t>2/9/2022</a:t>
             </a:fld>
             <a:endParaRPr lang="en-US"/>
           </a:p>
@@ -2457,10 +2350,8 @@
         </p:nvSpPr>
         <p:spPr/>
         <p:txBody>
-          <a:bodyPr rtlCol="1"/>
-          <a:lstStyle>
-            <a:lvl1pPr algn="r" rtl="1"/>
-          </a:lstStyle>
+          <a:bodyPr/>
+          <a:lstStyle/>
           <a:p>
             <a:endParaRPr lang="en-US"/>
           </a:p>
@@ -2478,10 +2369,8 @@
         </p:nvSpPr>
         <p:spPr/>
         <p:txBody>
-          <a:bodyPr rtlCol="1"/>
-          <a:lstStyle>
-            <a:lvl1pPr algn="r" rtl="1"/>
-          </a:lstStyle>
+          <a:bodyPr/>
+          <a:lstStyle/>
           <a:p>
             <a:fld id="{4BAB5BF5-7DA9-4E08-B387-E4C49BDE24D8}" type="slidenum">
               <a:rPr lang="en-US" smtClean="0"/>
@@ -2546,18 +2435,15 @@
           </a:prstGeom>
         </p:spPr>
         <p:txBody>
-          <a:bodyPr vert="horz" lIns="91440" tIns="45720" rIns="91440" bIns="45720" rtlCol="1" anchor="ctr">
+          <a:bodyPr vert="horz" lIns="91440" tIns="45720" rIns="91440" bIns="45720" rtlCol="0" anchor="ctr">
             <a:normAutofit/>
           </a:bodyPr>
-          <a:lstStyle>
-            <a:lvl1pPr algn="r" rtl="1"/>
-          </a:lstStyle>
-          <a:p>
-            <a:r>
-              <a:rPr lang="en-US" smtClean="0"/>
+          <a:lstStyle/>
+          <a:p>
+            <a:r>
+              <a:rPr lang="en-US"/>
               <a:t>Click to edit Master title style</a:t>
             </a:r>
-            <a:endParaRPr lang="en-US"/>
           </a:p>
         </p:txBody>
       </p:sp>
@@ -2581,47 +2467,44 @@
           </a:prstGeom>
         </p:spPr>
         <p:txBody>
-          <a:bodyPr vert="horz" lIns="91440" tIns="45720" rIns="91440" bIns="45720" rtlCol="1">
+          <a:bodyPr vert="horz" lIns="91440" tIns="45720" rIns="91440" bIns="45720" rtlCol="0">
             <a:normAutofit/>
           </a:bodyPr>
-          <a:lstStyle>
-            <a:lvl1pPr algn="r" rtl="1"/>
-          </a:lstStyle>
-          <a:p>
-            <a:pPr lvl="0" algn="r" rtl="1"/>
-            <a:r>
-              <a:rPr lang="en-US" smtClean="0"/>
+          <a:lstStyle/>
+          <a:p>
+            <a:pPr lvl="0"/>
+            <a:r>
+              <a:rPr lang="en-US"/>
               <a:t>Edit Master text styles</a:t>
             </a:r>
           </a:p>
           <a:p>
-            <a:pPr lvl="1" algn="r" rtl="1"/>
-            <a:r>
-              <a:rPr lang="en-US" smtClean="0"/>
+            <a:pPr lvl="1"/>
+            <a:r>
+              <a:rPr lang="en-US"/>
               <a:t>Second level</a:t>
             </a:r>
           </a:p>
           <a:p>
-            <a:pPr lvl="2" algn="r" rtl="1"/>
-            <a:r>
-              <a:rPr lang="en-US" smtClean="0"/>
+            <a:pPr lvl="2"/>
+            <a:r>
+              <a:rPr lang="en-US"/>
               <a:t>Third level</a:t>
             </a:r>
           </a:p>
           <a:p>
-            <a:pPr lvl="3" algn="r" rtl="1"/>
-            <a:r>
-              <a:rPr lang="en-US" smtClean="0"/>
+            <a:pPr lvl="3"/>
+            <a:r>
+              <a:rPr lang="en-US"/>
               <a:t>Fourth level</a:t>
             </a:r>
           </a:p>
           <a:p>
-            <a:pPr lvl="4" algn="r" rtl="1"/>
-            <a:r>
-              <a:rPr lang="en-US" smtClean="0"/>
+            <a:pPr lvl="4"/>
+            <a:r>
+              <a:rPr lang="en-US"/>
               <a:t>Fifth level</a:t>
             </a:r>
-            <a:endParaRPr lang="en-US"/>
           </a:p>
         </p:txBody>
       </p:sp>
@@ -2645,9 +2528,9 @@
           </a:prstGeom>
         </p:spPr>
         <p:txBody>
-          <a:bodyPr vert="horz" lIns="91440" tIns="45720" rIns="91440" bIns="45720" rtlCol="1" anchor="ctr"/>
+          <a:bodyPr vert="horz" lIns="91440" tIns="45720" rIns="91440" bIns="45720" rtlCol="0" anchor="ctr"/>
           <a:lstStyle>
-            <a:lvl1pPr algn="r" rtl="1">
+            <a:lvl1pPr algn="l">
               <a:defRPr sz="1200">
                 <a:solidFill>
                   <a:schemeClr val="tx1">
@@ -2660,7 +2543,7 @@
           <a:p>
             <a:fld id="{51A83E91-2F2D-40F8-99D2-DD6E2C5BC9C2}" type="datetimeFigureOut">
               <a:rPr lang="en-US" smtClean="0"/>
-              <a:t>10/28/2019</a:t>
+              <a:t>2/9/2022</a:t>
             </a:fld>
             <a:endParaRPr lang="en-US"/>
           </a:p>
@@ -2686,9 +2569,9 @@
           </a:prstGeom>
         </p:spPr>
         <p:txBody>
-          <a:bodyPr vert="horz" lIns="91440" tIns="45720" rIns="91440" bIns="45720" rtlCol="1" anchor="ctr"/>
+          <a:bodyPr vert="horz" lIns="91440" tIns="45720" rIns="91440" bIns="45720" rtlCol="0" anchor="ctr"/>
           <a:lstStyle>
-            <a:lvl1pPr algn="ctr" rtl="1">
+            <a:lvl1pPr algn="ctr">
               <a:defRPr sz="1200">
                 <a:solidFill>
                   <a:schemeClr val="tx1">
@@ -2723,9 +2606,9 @@
           </a:prstGeom>
         </p:spPr>
         <p:txBody>
-          <a:bodyPr vert="horz" lIns="91440" tIns="45720" rIns="91440" bIns="45720" rtlCol="1" anchor="ctr"/>
+          <a:bodyPr vert="horz" lIns="91440" tIns="45720" rIns="91440" bIns="45720" rtlCol="0" anchor="ctr"/>
           <a:lstStyle>
-            <a:lvl1pPr algn="l" rtl="1">
+            <a:lvl1pPr algn="r">
               <a:defRPr sz="1200">
                 <a:solidFill>
                   <a:schemeClr val="tx1">
@@ -2767,7 +2650,7 @@
   </p:sldLayoutIdLst>
   <p:txStyles>
     <p:titleStyle>
-      <a:lvl1pPr algn="r" defTabSz="914400" rtl="1" eaLnBrk="1" latinLnBrk="0" hangingPunct="1">
+      <a:lvl1pPr algn="l" defTabSz="914400" rtl="0" eaLnBrk="1" latinLnBrk="0" hangingPunct="1">
         <a:lnSpc>
           <a:spcPct val="90000"/>
         </a:lnSpc>
@@ -2786,7 +2669,7 @@
       </a:lvl1pPr>
     </p:titleStyle>
     <p:bodyStyle>
-      <a:lvl1pPr marL="228600" indent="-228600" algn="r" defTabSz="914400" rtl="1" eaLnBrk="1" latinLnBrk="0" hangingPunct="1">
+      <a:lvl1pPr marL="228600" indent="-228600" algn="l" defTabSz="914400" rtl="0" eaLnBrk="1" latinLnBrk="0" hangingPunct="1">
         <a:lnSpc>
           <a:spcPct val="90000"/>
         </a:lnSpc>
@@ -2804,7 +2687,7 @@
           <a:cs typeface="+mn-cs"/>
         </a:defRPr>
       </a:lvl1pPr>
-      <a:lvl2pPr marL="685800" indent="-228600" algn="r" defTabSz="914400" rtl="1" eaLnBrk="1" latinLnBrk="0" hangingPunct="1">
+      <a:lvl2pPr marL="685800" indent="-228600" algn="l" defTabSz="914400" rtl="0" eaLnBrk="1" latinLnBrk="0" hangingPunct="1">
         <a:lnSpc>
           <a:spcPct val="90000"/>
         </a:lnSpc>
@@ -2822,7 +2705,7 @@
           <a:cs typeface="+mn-cs"/>
         </a:defRPr>
       </a:lvl2pPr>
-      <a:lvl3pPr marL="1143000" indent="-228600" algn="r" defTabSz="914400" rtl="1" eaLnBrk="1" latinLnBrk="0" hangingPunct="1">
+      <a:lvl3pPr marL="1143000" indent="-228600" algn="l" defTabSz="914400" rtl="0" eaLnBrk="1" latinLnBrk="0" hangingPunct="1">
         <a:lnSpc>
           <a:spcPct val="90000"/>
         </a:lnSpc>
@@ -2840,7 +2723,7 @@
           <a:cs typeface="+mn-cs"/>
         </a:defRPr>
       </a:lvl3pPr>
-      <a:lvl4pPr marL="1600200" indent="-228600" algn="r" defTabSz="914400" rtl="1" eaLnBrk="1" latinLnBrk="0" hangingPunct="1">
+      <a:lvl4pPr marL="1600200" indent="-228600" algn="l" defTabSz="914400" rtl="0" eaLnBrk="1" latinLnBrk="0" hangingPunct="1">
         <a:lnSpc>
           <a:spcPct val="90000"/>
         </a:lnSpc>
@@ -2858,7 +2741,7 @@
           <a:cs typeface="+mn-cs"/>
         </a:defRPr>
       </a:lvl4pPr>
-      <a:lvl5pPr marL="2057400" indent="-228600" algn="r" defTabSz="914400" rtl="1" eaLnBrk="1" latinLnBrk="0" hangingPunct="1">
+      <a:lvl5pPr marL="2057400" indent="-228600" algn="l" defTabSz="914400" rtl="0" eaLnBrk="1" latinLnBrk="0" hangingPunct="1">
         <a:lnSpc>
           <a:spcPct val="90000"/>
         </a:lnSpc>
@@ -2876,7 +2759,7 @@
           <a:cs typeface="+mn-cs"/>
         </a:defRPr>
       </a:lvl5pPr>
-      <a:lvl6pPr marL="2514600" indent="-228600" algn="r" defTabSz="914400" rtl="1" eaLnBrk="1" latinLnBrk="0" hangingPunct="1">
+      <a:lvl6pPr marL="2514600" indent="-228600" algn="l" defTabSz="914400" rtl="0" eaLnBrk="1" latinLnBrk="0" hangingPunct="1">
         <a:lnSpc>
           <a:spcPct val="90000"/>
         </a:lnSpc>
@@ -2894,7 +2777,7 @@
           <a:cs typeface="+mn-cs"/>
         </a:defRPr>
       </a:lvl6pPr>
-      <a:lvl7pPr marL="2971800" indent="-228600" algn="r" defTabSz="914400" rtl="1" eaLnBrk="1" latinLnBrk="0" hangingPunct="1">
+      <a:lvl7pPr marL="2971800" indent="-228600" algn="l" defTabSz="914400" rtl="0" eaLnBrk="1" latinLnBrk="0" hangingPunct="1">
         <a:lnSpc>
           <a:spcPct val="90000"/>
         </a:lnSpc>
@@ -2912,7 +2795,7 @@
           <a:cs typeface="+mn-cs"/>
         </a:defRPr>
       </a:lvl7pPr>
-      <a:lvl8pPr marL="3429000" indent="-228600" algn="r" defTabSz="914400" rtl="1" eaLnBrk="1" latinLnBrk="0" hangingPunct="1">
+      <a:lvl8pPr marL="3429000" indent="-228600" algn="l" defTabSz="914400" rtl="0" eaLnBrk="1" latinLnBrk="0" hangingPunct="1">
         <a:lnSpc>
           <a:spcPct val="90000"/>
         </a:lnSpc>
@@ -2930,7 +2813,7 @@
           <a:cs typeface="+mn-cs"/>
         </a:defRPr>
       </a:lvl8pPr>
-      <a:lvl9pPr marL="3886200" indent="-228600" algn="r" defTabSz="914400" rtl="1" eaLnBrk="1" latinLnBrk="0" hangingPunct="1">
+      <a:lvl9pPr marL="3886200" indent="-228600" algn="l" defTabSz="914400" rtl="0" eaLnBrk="1" latinLnBrk="0" hangingPunct="1">
         <a:lnSpc>
           <a:spcPct val="90000"/>
         </a:lnSpc>
@@ -2953,7 +2836,7 @@
       <a:defPPr>
         <a:defRPr lang="en-US"/>
       </a:defPPr>
-      <a:lvl1pPr marL="0" algn="r" defTabSz="914400" rtl="1" eaLnBrk="1" latinLnBrk="0" hangingPunct="1">
+      <a:lvl1pPr marL="0" algn="l" defTabSz="914400" rtl="0" eaLnBrk="1" latinLnBrk="0" hangingPunct="1">
         <a:defRPr sz="1800" kern="1200">
           <a:solidFill>
             <a:schemeClr val="tx1"/>
@@ -2963,7 +2846,7 @@
           <a:cs typeface="+mn-cs"/>
         </a:defRPr>
       </a:lvl1pPr>
-      <a:lvl2pPr marL="457200" algn="r" defTabSz="914400" rtl="1" eaLnBrk="1" latinLnBrk="0" hangingPunct="1">
+      <a:lvl2pPr marL="457200" algn="l" defTabSz="914400" rtl="0" eaLnBrk="1" latinLnBrk="0" hangingPunct="1">
         <a:defRPr sz="1800" kern="1200">
           <a:solidFill>
             <a:schemeClr val="tx1"/>
@@ -2973,7 +2856,7 @@
           <a:cs typeface="+mn-cs"/>
         </a:defRPr>
       </a:lvl2pPr>
-      <a:lvl3pPr marL="914400" algn="r" defTabSz="914400" rtl="1" eaLnBrk="1" latinLnBrk="0" hangingPunct="1">
+      <a:lvl3pPr marL="914400" algn="l" defTabSz="914400" rtl="0" eaLnBrk="1" latinLnBrk="0" hangingPunct="1">
         <a:defRPr sz="1800" kern="1200">
           <a:solidFill>
             <a:schemeClr val="tx1"/>
@@ -2983,7 +2866,7 @@
           <a:cs typeface="+mn-cs"/>
         </a:defRPr>
       </a:lvl3pPr>
-      <a:lvl4pPr marL="1371600" algn="r" defTabSz="914400" rtl="1" eaLnBrk="1" latinLnBrk="0" hangingPunct="1">
+      <a:lvl4pPr marL="1371600" algn="l" defTabSz="914400" rtl="0" eaLnBrk="1" latinLnBrk="0" hangingPunct="1">
         <a:defRPr sz="1800" kern="1200">
           <a:solidFill>
             <a:schemeClr val="tx1"/>
@@ -2993,7 +2876,7 @@
           <a:cs typeface="+mn-cs"/>
         </a:defRPr>
       </a:lvl4pPr>
-      <a:lvl5pPr marL="1828800" algn="r" defTabSz="914400" rtl="1" eaLnBrk="1" latinLnBrk="0" hangingPunct="1">
+      <a:lvl5pPr marL="1828800" algn="l" defTabSz="914400" rtl="0" eaLnBrk="1" latinLnBrk="0" hangingPunct="1">
         <a:defRPr sz="1800" kern="1200">
           <a:solidFill>
             <a:schemeClr val="tx1"/>
@@ -3003,7 +2886,7 @@
           <a:cs typeface="+mn-cs"/>
         </a:defRPr>
       </a:lvl5pPr>
-      <a:lvl6pPr marL="2286000" algn="r" defTabSz="914400" rtl="1" eaLnBrk="1" latinLnBrk="0" hangingPunct="1">
+      <a:lvl6pPr marL="2286000" algn="l" defTabSz="914400" rtl="0" eaLnBrk="1" latinLnBrk="0" hangingPunct="1">
         <a:defRPr sz="1800" kern="1200">
           <a:solidFill>
             <a:schemeClr val="tx1"/>
@@ -3013,7 +2896,7 @@
           <a:cs typeface="+mn-cs"/>
         </a:defRPr>
       </a:lvl6pPr>
-      <a:lvl7pPr marL="2743200" algn="r" defTabSz="914400" rtl="1" eaLnBrk="1" latinLnBrk="0" hangingPunct="1">
+      <a:lvl7pPr marL="2743200" algn="l" defTabSz="914400" rtl="0" eaLnBrk="1" latinLnBrk="0" hangingPunct="1">
         <a:defRPr sz="1800" kern="1200">
           <a:solidFill>
             <a:schemeClr val="tx1"/>
@@ -3023,7 +2906,7 @@
           <a:cs typeface="+mn-cs"/>
         </a:defRPr>
       </a:lvl7pPr>
-      <a:lvl8pPr marL="3200400" algn="r" defTabSz="914400" rtl="1" eaLnBrk="1" latinLnBrk="0" hangingPunct="1">
+      <a:lvl8pPr marL="3200400" algn="l" defTabSz="914400" rtl="0" eaLnBrk="1" latinLnBrk="0" hangingPunct="1">
         <a:defRPr sz="1800" kern="1200">
           <a:solidFill>
             <a:schemeClr val="tx1"/>
@@ -3033,7 +2916,7 @@
           <a:cs typeface="+mn-cs"/>
         </a:defRPr>
       </a:lvl8pPr>
-      <a:lvl9pPr marL="3657600" algn="r" defTabSz="914400" rtl="1" eaLnBrk="1" latinLnBrk="0" hangingPunct="1">
+      <a:lvl9pPr marL="3657600" algn="l" defTabSz="914400" rtl="0" eaLnBrk="1" latinLnBrk="0" hangingPunct="1">
         <a:defRPr sz="1800" kern="1200">
           <a:solidFill>
             <a:schemeClr val="tx1"/>
@@ -3067,38 +2950,719 @@
       </p:grpSpPr>
       <p:grpSp>
         <p:nvGrpSpPr>
-          <p:cNvPr id="27" name="Group 26"/>
+          <p:cNvPr id="2" name="Group 1">
+            <a:extLst>
+              <a:ext uri="{FF2B5EF4-FFF2-40B4-BE49-F238E27FC236}">
+                <a16:creationId xmlns:a16="http://schemas.microsoft.com/office/drawing/2014/main" id="{99A1DAD6-14A8-4453-9F10-D09291F64BBB}"/>
+              </a:ext>
+            </a:extLst>
+          </p:cNvPr>
           <p:cNvGrpSpPr/>
           <p:nvPr/>
         </p:nvGrpSpPr>
         <p:grpSpPr>
-          <a:xfrm>
-            <a:off x="6219371" y="618537"/>
-            <a:ext cx="5120640" cy="4222635"/>
-            <a:chOff x="6219371" y="606662"/>
-            <a:chExt cx="5120640" cy="4222635"/>
+          <a:xfrm flipH="1">
+            <a:off x="744167" y="618537"/>
+            <a:ext cx="10595844" cy="5178499"/>
+            <a:chOff x="744167" y="618537"/>
+            <a:chExt cx="10595844" cy="5178499"/>
           </a:xfrm>
         </p:grpSpPr>
+        <p:grpSp>
+          <p:nvGrpSpPr>
+            <p:cNvPr id="27" name="Group 26"/>
+            <p:cNvGrpSpPr/>
+            <p:nvPr/>
+          </p:nvGrpSpPr>
+          <p:grpSpPr>
+            <a:xfrm>
+              <a:off x="6219371" y="618537"/>
+              <a:ext cx="5120640" cy="4222635"/>
+              <a:chOff x="6219371" y="606662"/>
+              <a:chExt cx="5120640" cy="4222635"/>
+            </a:xfrm>
+          </p:grpSpPr>
+          <p:sp>
+            <p:nvSpPr>
+              <p:cNvPr id="5" name="Rectangle 4"/>
+              <p:cNvSpPr/>
+              <p:nvPr/>
+            </p:nvSpPr>
+            <p:spPr>
+              <a:xfrm>
+                <a:off x="6219371" y="1171697"/>
+                <a:ext cx="5120640" cy="3657600"/>
+              </a:xfrm>
+              <a:prstGeom prst="rect">
+                <a:avLst/>
+              </a:prstGeom>
+              <a:solidFill>
+                <a:schemeClr val="accent6"/>
+              </a:solidFill>
+              <a:ln>
+                <a:noFill/>
+              </a:ln>
+            </p:spPr>
+            <p:style>
+              <a:lnRef idx="2">
+                <a:schemeClr val="accent1">
+                  <a:shade val="50000"/>
+                </a:schemeClr>
+              </a:lnRef>
+              <a:fillRef idx="1">
+                <a:schemeClr val="accent1"/>
+              </a:fillRef>
+              <a:effectRef idx="0">
+                <a:schemeClr val="accent1"/>
+              </a:effectRef>
+              <a:fontRef idx="minor">
+                <a:schemeClr val="lt1"/>
+              </a:fontRef>
+            </p:style>
+            <p:txBody>
+              <a:bodyPr rtlCol="0" anchor="ctr"/>
+              <a:lstStyle/>
+              <a:p>
+                <a:pPr algn="ctr"/>
+                <a:endParaRPr lang="en-US"/>
+              </a:p>
+            </p:txBody>
+          </p:sp>
+          <p:pic>
+            <p:nvPicPr>
+              <p:cNvPr id="10" name="Picture 9"/>
+              <p:cNvPicPr>
+                <a:picLocks noChangeAspect="1"/>
+              </p:cNvPicPr>
+              <p:nvPr/>
+            </p:nvPicPr>
+            <p:blipFill>
+              <a:blip r:embed="rId2" cstate="print">
+                <a:extLst>
+                  <a:ext uri="{BEBA8EAE-BF5A-486C-A8C5-ECC9F3942E4B}">
+                    <a14:imgProps xmlns:a14="http://schemas.microsoft.com/office/drawing/2010/main">
+                      <a14:imgLayer r:embed="rId3">
+                        <a14:imgEffect>
+                          <a14:brightnessContrast bright="100000"/>
+                        </a14:imgEffect>
+                      </a14:imgLayer>
+                    </a14:imgProps>
+                  </a:ext>
+                  <a:ext uri="{28A0092B-C50C-407E-A947-70E740481C1C}">
+                    <a14:useLocalDpi xmlns:a14="http://schemas.microsoft.com/office/drawing/2010/main" val="0"/>
+                  </a:ext>
+                </a:extLst>
+              </a:blip>
+              <a:stretch>
+                <a:fillRect/>
+              </a:stretch>
+            </p:blipFill>
+            <p:spPr>
+              <a:xfrm>
+                <a:off x="6740528" y="1793633"/>
+                <a:ext cx="914400" cy="914400"/>
+              </a:xfrm>
+              <a:prstGeom prst="rect">
+                <a:avLst/>
+              </a:prstGeom>
+            </p:spPr>
+          </p:pic>
+          <p:pic>
+            <p:nvPicPr>
+              <p:cNvPr id="11" name="Picture 10"/>
+              <p:cNvPicPr>
+                <a:picLocks noChangeAspect="1"/>
+              </p:cNvPicPr>
+              <p:nvPr/>
+            </p:nvPicPr>
+            <p:blipFill>
+              <a:blip r:embed="rId4" cstate="print">
+                <a:extLst>
+                  <a:ext uri="{BEBA8EAE-BF5A-486C-A8C5-ECC9F3942E4B}">
+                    <a14:imgProps xmlns:a14="http://schemas.microsoft.com/office/drawing/2010/main">
+                      <a14:imgLayer r:embed="rId5">
+                        <a14:imgEffect>
+                          <a14:brightnessContrast bright="100000"/>
+                        </a14:imgEffect>
+                      </a14:imgLayer>
+                    </a14:imgProps>
+                  </a:ext>
+                  <a:ext uri="{28A0092B-C50C-407E-A947-70E740481C1C}">
+                    <a14:useLocalDpi xmlns:a14="http://schemas.microsoft.com/office/drawing/2010/main" val="0"/>
+                  </a:ext>
+                </a:extLst>
+              </a:blip>
+              <a:stretch>
+                <a:fillRect/>
+              </a:stretch>
+            </p:blipFill>
+            <p:spPr>
+              <a:xfrm>
+                <a:off x="8328877" y="1793633"/>
+                <a:ext cx="914400" cy="914400"/>
+              </a:xfrm>
+              <a:prstGeom prst="rect">
+                <a:avLst/>
+              </a:prstGeom>
+            </p:spPr>
+          </p:pic>
+          <p:pic>
+            <p:nvPicPr>
+              <p:cNvPr id="12" name="Picture 11"/>
+              <p:cNvPicPr>
+                <a:picLocks noChangeAspect="1"/>
+              </p:cNvPicPr>
+              <p:nvPr/>
+            </p:nvPicPr>
+            <p:blipFill>
+              <a:blip r:embed="rId6" cstate="print">
+                <a:extLst>
+                  <a:ext uri="{BEBA8EAE-BF5A-486C-A8C5-ECC9F3942E4B}">
+                    <a14:imgProps xmlns:a14="http://schemas.microsoft.com/office/drawing/2010/main">
+                      <a14:imgLayer r:embed="rId7">
+                        <a14:imgEffect>
+                          <a14:brightnessContrast bright="100000"/>
+                        </a14:imgEffect>
+                      </a14:imgLayer>
+                    </a14:imgProps>
+                  </a:ext>
+                  <a:ext uri="{28A0092B-C50C-407E-A947-70E740481C1C}">
+                    <a14:useLocalDpi xmlns:a14="http://schemas.microsoft.com/office/drawing/2010/main" val="0"/>
+                  </a:ext>
+                </a:extLst>
+              </a:blip>
+              <a:stretch>
+                <a:fillRect/>
+              </a:stretch>
+            </p:blipFill>
+            <p:spPr>
+              <a:xfrm>
+                <a:off x="9728948" y="1793633"/>
+                <a:ext cx="914400" cy="914400"/>
+              </a:xfrm>
+              <a:prstGeom prst="rect">
+                <a:avLst/>
+              </a:prstGeom>
+            </p:spPr>
+          </p:pic>
+          <p:pic>
+            <p:nvPicPr>
+              <p:cNvPr id="13" name="Picture 12"/>
+              <p:cNvPicPr>
+                <a:picLocks noChangeAspect="1"/>
+              </p:cNvPicPr>
+              <p:nvPr/>
+            </p:nvPicPr>
+            <p:blipFill>
+              <a:blip r:embed="rId8" cstate="print">
+                <a:extLst>
+                  <a:ext uri="{BEBA8EAE-BF5A-486C-A8C5-ECC9F3942E4B}">
+                    <a14:imgProps xmlns:a14="http://schemas.microsoft.com/office/drawing/2010/main">
+                      <a14:imgLayer r:embed="rId9">
+                        <a14:imgEffect>
+                          <a14:brightnessContrast bright="100000"/>
+                        </a14:imgEffect>
+                      </a14:imgLayer>
+                    </a14:imgProps>
+                  </a:ext>
+                  <a:ext uri="{28A0092B-C50C-407E-A947-70E740481C1C}">
+                    <a14:useLocalDpi xmlns:a14="http://schemas.microsoft.com/office/drawing/2010/main" val="0"/>
+                  </a:ext>
+                </a:extLst>
+              </a:blip>
+              <a:stretch>
+                <a:fillRect/>
+              </a:stretch>
+            </p:blipFill>
+            <p:spPr>
+              <a:xfrm>
+                <a:off x="6740528" y="3278771"/>
+                <a:ext cx="914400" cy="914400"/>
+              </a:xfrm>
+              <a:prstGeom prst="rect">
+                <a:avLst/>
+              </a:prstGeom>
+            </p:spPr>
+          </p:pic>
+          <p:pic>
+            <p:nvPicPr>
+              <p:cNvPr id="16" name="Picture 15"/>
+              <p:cNvPicPr>
+                <a:picLocks noChangeAspect="1"/>
+              </p:cNvPicPr>
+              <p:nvPr/>
+            </p:nvPicPr>
+            <p:blipFill>
+              <a:blip r:embed="rId10" cstate="print">
+                <a:extLst>
+                  <a:ext uri="{BEBA8EAE-BF5A-486C-A8C5-ECC9F3942E4B}">
+                    <a14:imgProps xmlns:a14="http://schemas.microsoft.com/office/drawing/2010/main">
+                      <a14:imgLayer r:embed="rId11">
+                        <a14:imgEffect>
+                          <a14:brightnessContrast bright="100000"/>
+                        </a14:imgEffect>
+                      </a14:imgLayer>
+                    </a14:imgProps>
+                  </a:ext>
+                  <a:ext uri="{28A0092B-C50C-407E-A947-70E740481C1C}">
+                    <a14:useLocalDpi xmlns:a14="http://schemas.microsoft.com/office/drawing/2010/main" val="0"/>
+                  </a:ext>
+                </a:extLst>
+              </a:blip>
+              <a:stretch>
+                <a:fillRect/>
+              </a:stretch>
+            </p:blipFill>
+            <p:spPr>
+              <a:xfrm>
+                <a:off x="8253135" y="3274915"/>
+                <a:ext cx="918256" cy="918256"/>
+              </a:xfrm>
+              <a:prstGeom prst="rect">
+                <a:avLst/>
+              </a:prstGeom>
+            </p:spPr>
+          </p:pic>
+          <p:pic>
+            <p:nvPicPr>
+              <p:cNvPr id="20" name="Picture 19"/>
+              <p:cNvPicPr>
+                <a:picLocks noChangeAspect="1"/>
+              </p:cNvPicPr>
+              <p:nvPr/>
+            </p:nvPicPr>
+            <p:blipFill>
+              <a:blip r:embed="rId12" cstate="print">
+                <a:extLst>
+                  <a:ext uri="{BEBA8EAE-BF5A-486C-A8C5-ECC9F3942E4B}">
+                    <a14:imgProps xmlns:a14="http://schemas.microsoft.com/office/drawing/2010/main">
+                      <a14:imgLayer r:embed="rId13">
+                        <a14:imgEffect>
+                          <a14:brightnessContrast bright="100000"/>
+                        </a14:imgEffect>
+                      </a14:imgLayer>
+                    </a14:imgProps>
+                  </a:ext>
+                  <a:ext uri="{28A0092B-C50C-407E-A947-70E740481C1C}">
+                    <a14:useLocalDpi xmlns:a14="http://schemas.microsoft.com/office/drawing/2010/main" val="0"/>
+                  </a:ext>
+                </a:extLst>
+              </a:blip>
+              <a:stretch>
+                <a:fillRect/>
+              </a:stretch>
+            </p:blipFill>
+            <p:spPr>
+              <a:xfrm>
+                <a:off x="9918840" y="3278771"/>
+                <a:ext cx="914400" cy="914400"/>
+              </a:xfrm>
+              <a:prstGeom prst="rect">
+                <a:avLst/>
+              </a:prstGeom>
+            </p:spPr>
+          </p:pic>
+          <p:sp>
+            <p:nvSpPr>
+              <p:cNvPr id="22" name="TextBox 21"/>
+              <p:cNvSpPr txBox="1"/>
+              <p:nvPr/>
+            </p:nvSpPr>
+            <p:spPr>
+              <a:xfrm>
+                <a:off x="6219371" y="606662"/>
+                <a:ext cx="5120640" cy="646331"/>
+              </a:xfrm>
+              <a:prstGeom prst="rect">
+                <a:avLst/>
+              </a:prstGeom>
+              <a:noFill/>
+            </p:spPr>
+            <p:txBody>
+              <a:bodyPr wrap="square" rtlCol="0">
+                <a:spAutoFit/>
+              </a:bodyPr>
+              <a:lstStyle/>
+              <a:p>
+                <a:pPr algn="ctr"/>
+                <a:r>
+                  <a:rPr lang="ar-DZ" sz="3600" b="1" dirty="0">
+                    <a:latin typeface="Arial" panose="020B0604020202020204" pitchFamily="34" charset="0"/>
+                  </a:rPr>
+                  <a:t>العملية</a:t>
+                </a:r>
+                <a:endParaRPr lang="en-US" sz="3600" dirty="0">
+                  <a:latin typeface="Arial" panose="020B0604020202020204" pitchFamily="34" charset="0"/>
+                </a:endParaRPr>
+              </a:p>
+            </p:txBody>
+          </p:sp>
+        </p:grpSp>
+        <p:grpSp>
+          <p:nvGrpSpPr>
+            <p:cNvPr id="26" name="Group 25"/>
+            <p:cNvGrpSpPr/>
+            <p:nvPr/>
+          </p:nvGrpSpPr>
+          <p:grpSpPr>
+            <a:xfrm>
+              <a:off x="746825" y="627822"/>
+              <a:ext cx="5129857" cy="4201475"/>
+              <a:chOff x="746825" y="627822"/>
+              <a:chExt cx="5129857" cy="4201475"/>
+            </a:xfrm>
+          </p:grpSpPr>
+          <p:sp>
+            <p:nvSpPr>
+              <p:cNvPr id="4" name="Rectangle 3"/>
+              <p:cNvSpPr/>
+              <p:nvPr/>
+            </p:nvSpPr>
+            <p:spPr>
+              <a:xfrm>
+                <a:off x="746825" y="1171697"/>
+                <a:ext cx="5120640" cy="3657600"/>
+              </a:xfrm>
+              <a:prstGeom prst="rect">
+                <a:avLst/>
+              </a:prstGeom>
+              <a:solidFill>
+                <a:schemeClr val="accent1"/>
+              </a:solidFill>
+            </p:spPr>
+            <p:style>
+              <a:lnRef idx="2">
+                <a:schemeClr val="accent1">
+                  <a:shade val="50000"/>
+                </a:schemeClr>
+              </a:lnRef>
+              <a:fillRef idx="1">
+                <a:schemeClr val="accent1"/>
+              </a:fillRef>
+              <a:effectRef idx="0">
+                <a:schemeClr val="accent1"/>
+              </a:effectRef>
+              <a:fontRef idx="minor">
+                <a:schemeClr val="lt1"/>
+              </a:fontRef>
+            </p:style>
+            <p:txBody>
+              <a:bodyPr rtlCol="0" anchor="ctr"/>
+              <a:lstStyle/>
+              <a:p>
+                <a:pPr algn="ctr"/>
+                <a:endParaRPr lang="en-US"/>
+              </a:p>
+            </p:txBody>
+          </p:sp>
+          <p:pic>
+            <p:nvPicPr>
+              <p:cNvPr id="7" name="Picture 6"/>
+              <p:cNvPicPr>
+                <a:picLocks noChangeAspect="1"/>
+              </p:cNvPicPr>
+              <p:nvPr/>
+            </p:nvPicPr>
+            <p:blipFill>
+              <a:blip r:embed="rId14" cstate="print">
+                <a:biLevel thresh="25000"/>
+                <a:extLst>
+                  <a:ext uri="{BEBA8EAE-BF5A-486C-A8C5-ECC9F3942E4B}">
+                    <a14:imgProps xmlns:a14="http://schemas.microsoft.com/office/drawing/2010/main">
+                      <a14:imgLayer r:embed="rId15">
+                        <a14:imgEffect>
+                          <a14:sharpenSoften amount="90000"/>
+                        </a14:imgEffect>
+                        <a14:imgEffect>
+                          <a14:saturation sat="52000"/>
+                        </a14:imgEffect>
+                        <a14:imgEffect>
+                          <a14:brightnessContrast bright="100000" contrast="-100000"/>
+                        </a14:imgEffect>
+                      </a14:imgLayer>
+                    </a14:imgProps>
+                  </a:ext>
+                  <a:ext uri="{28A0092B-C50C-407E-A947-70E740481C1C}">
+                    <a14:useLocalDpi xmlns:a14="http://schemas.microsoft.com/office/drawing/2010/main" val="0"/>
+                  </a:ext>
+                </a:extLst>
+              </a:blip>
+              <a:stretch>
+                <a:fillRect/>
+              </a:stretch>
+            </p:blipFill>
+            <p:spPr>
+              <a:xfrm>
+                <a:off x="1227420" y="1793633"/>
+                <a:ext cx="914400" cy="914400"/>
+              </a:xfrm>
+              <a:prstGeom prst="rect">
+                <a:avLst/>
+              </a:prstGeom>
+            </p:spPr>
+          </p:pic>
+          <p:pic>
+            <p:nvPicPr>
+              <p:cNvPr id="8" name="Picture 7"/>
+              <p:cNvPicPr>
+                <a:picLocks noChangeAspect="1"/>
+              </p:cNvPicPr>
+              <p:nvPr/>
+            </p:nvPicPr>
+            <p:blipFill>
+              <a:blip r:embed="rId16" cstate="print">
+                <a:biLevel thresh="25000"/>
+                <a:extLst>
+                  <a:ext uri="{BEBA8EAE-BF5A-486C-A8C5-ECC9F3942E4B}">
+                    <a14:imgProps xmlns:a14="http://schemas.microsoft.com/office/drawing/2010/main">
+                      <a14:imgLayer r:embed="rId17">
+                        <a14:imgEffect>
+                          <a14:brightnessContrast bright="100000" contrast="-70000"/>
+                        </a14:imgEffect>
+                      </a14:imgLayer>
+                    </a14:imgProps>
+                  </a:ext>
+                  <a:ext uri="{28A0092B-C50C-407E-A947-70E740481C1C}">
+                    <a14:useLocalDpi xmlns:a14="http://schemas.microsoft.com/office/drawing/2010/main" val="0"/>
+                  </a:ext>
+                </a:extLst>
+              </a:blip>
+              <a:stretch>
+                <a:fillRect/>
+              </a:stretch>
+            </p:blipFill>
+            <p:spPr>
+              <a:xfrm>
+                <a:off x="2799919" y="1793633"/>
+                <a:ext cx="914400" cy="914400"/>
+              </a:xfrm>
+              <a:prstGeom prst="rect">
+                <a:avLst/>
+              </a:prstGeom>
+            </p:spPr>
+          </p:pic>
+          <p:pic>
+            <p:nvPicPr>
+              <p:cNvPr id="9" name="Picture 8"/>
+              <p:cNvPicPr>
+                <a:picLocks noChangeAspect="1"/>
+              </p:cNvPicPr>
+              <p:nvPr/>
+            </p:nvPicPr>
+            <p:blipFill>
+              <a:blip r:embed="rId18" cstate="print">
+                <a:biLevel thresh="25000"/>
+                <a:extLst>
+                  <a:ext uri="{BEBA8EAE-BF5A-486C-A8C5-ECC9F3942E4B}">
+                    <a14:imgProps xmlns:a14="http://schemas.microsoft.com/office/drawing/2010/main">
+                      <a14:imgLayer r:embed="rId19">
+                        <a14:imgEffect>
+                          <a14:brightnessContrast bright="100000" contrast="-70000"/>
+                        </a14:imgEffect>
+                      </a14:imgLayer>
+                    </a14:imgProps>
+                  </a:ext>
+                  <a:ext uri="{28A0092B-C50C-407E-A947-70E740481C1C}">
+                    <a14:useLocalDpi xmlns:a14="http://schemas.microsoft.com/office/drawing/2010/main" val="0"/>
+                  </a:ext>
+                </a:extLst>
+              </a:blip>
+              <a:stretch>
+                <a:fillRect/>
+              </a:stretch>
+            </p:blipFill>
+            <p:spPr>
+              <a:xfrm>
+                <a:off x="2768930" y="3278771"/>
+                <a:ext cx="914400" cy="914400"/>
+              </a:xfrm>
+              <a:prstGeom prst="rect">
+                <a:avLst/>
+              </a:prstGeom>
+            </p:spPr>
+          </p:pic>
+          <p:pic>
+            <p:nvPicPr>
+              <p:cNvPr id="18" name="Picture 17"/>
+              <p:cNvPicPr>
+                <a:picLocks noChangeAspect="1"/>
+              </p:cNvPicPr>
+              <p:nvPr/>
+            </p:nvPicPr>
+            <p:blipFill>
+              <a:blip r:embed="rId20" cstate="print">
+                <a:biLevel thresh="25000"/>
+                <a:extLst>
+                  <a:ext uri="{BEBA8EAE-BF5A-486C-A8C5-ECC9F3942E4B}">
+                    <a14:imgProps xmlns:a14="http://schemas.microsoft.com/office/drawing/2010/main">
+                      <a14:imgLayer r:embed="rId21">
+                        <a14:imgEffect>
+                          <a14:brightnessContrast bright="100000" contrast="-70000"/>
+                        </a14:imgEffect>
+                      </a14:imgLayer>
+                    </a14:imgProps>
+                  </a:ext>
+                  <a:ext uri="{28A0092B-C50C-407E-A947-70E740481C1C}">
+                    <a14:useLocalDpi xmlns:a14="http://schemas.microsoft.com/office/drawing/2010/main" val="0"/>
+                  </a:ext>
+                </a:extLst>
+              </a:blip>
+              <a:stretch>
+                <a:fillRect/>
+              </a:stretch>
+            </p:blipFill>
+            <p:spPr>
+              <a:xfrm>
+                <a:off x="4404411" y="1793633"/>
+                <a:ext cx="914400" cy="914400"/>
+              </a:xfrm>
+              <a:prstGeom prst="rect">
+                <a:avLst/>
+              </a:prstGeom>
+            </p:spPr>
+          </p:pic>
+          <p:pic>
+            <p:nvPicPr>
+              <p:cNvPr id="19" name="Picture 18"/>
+              <p:cNvPicPr>
+                <a:picLocks noChangeAspect="1"/>
+              </p:cNvPicPr>
+              <p:nvPr/>
+            </p:nvPicPr>
+            <p:blipFill>
+              <a:blip r:embed="rId22" cstate="print">
+                <a:biLevel thresh="25000"/>
+                <a:extLst>
+                  <a:ext uri="{BEBA8EAE-BF5A-486C-A8C5-ECC9F3942E4B}">
+                    <a14:imgProps xmlns:a14="http://schemas.microsoft.com/office/drawing/2010/main">
+                      <a14:imgLayer r:embed="rId23">
+                        <a14:imgEffect>
+                          <a14:brightnessContrast bright="100000" contrast="-70000"/>
+                        </a14:imgEffect>
+                      </a14:imgLayer>
+                    </a14:imgProps>
+                  </a:ext>
+                  <a:ext uri="{28A0092B-C50C-407E-A947-70E740481C1C}">
+                    <a14:useLocalDpi xmlns:a14="http://schemas.microsoft.com/office/drawing/2010/main" val="0"/>
+                  </a:ext>
+                </a:extLst>
+              </a:blip>
+              <a:stretch>
+                <a:fillRect/>
+              </a:stretch>
+            </p:blipFill>
+            <p:spPr>
+              <a:xfrm>
+                <a:off x="1256323" y="3234965"/>
+                <a:ext cx="914400" cy="914400"/>
+              </a:xfrm>
+              <a:prstGeom prst="rect">
+                <a:avLst/>
+              </a:prstGeom>
+            </p:spPr>
+          </p:pic>
+          <p:sp>
+            <p:nvSpPr>
+              <p:cNvPr id="21" name="TextBox 20"/>
+              <p:cNvSpPr txBox="1"/>
+              <p:nvPr/>
+            </p:nvSpPr>
+            <p:spPr>
+              <a:xfrm>
+                <a:off x="756042" y="627822"/>
+                <a:ext cx="5120640" cy="646331"/>
+              </a:xfrm>
+              <a:prstGeom prst="rect">
+                <a:avLst/>
+              </a:prstGeom>
+              <a:noFill/>
+            </p:spPr>
+            <p:txBody>
+              <a:bodyPr wrap="square" tIns="36000" bIns="36000" rtlCol="0">
+                <a:spAutoFit/>
+              </a:bodyPr>
+              <a:lstStyle/>
+              <a:p>
+                <a:pPr algn="ctr"/>
+                <a:r>
+                  <a:rPr lang="ar-DZ" sz="3600" b="1" dirty="0">
+                    <a:latin typeface="Arial" panose="020B0604020202020204" pitchFamily="34" charset="0"/>
+                  </a:rPr>
+                  <a:t>منفصلة</a:t>
+                </a:r>
+                <a:endParaRPr lang="en-US" sz="4000" dirty="0">
+                  <a:latin typeface="Arial" panose="020B0604020202020204" pitchFamily="34" charset="0"/>
+                </a:endParaRPr>
+              </a:p>
+            </p:txBody>
+          </p:sp>
+          <p:pic>
+            <p:nvPicPr>
+              <p:cNvPr id="24" name="Picture 23"/>
+              <p:cNvPicPr>
+                <a:picLocks noChangeAspect="1"/>
+              </p:cNvPicPr>
+              <p:nvPr/>
+            </p:nvPicPr>
+            <p:blipFill>
+              <a:blip r:embed="rId24" cstate="print">
+                <a:extLst>
+                  <a:ext uri="{BEBA8EAE-BF5A-486C-A8C5-ECC9F3942E4B}">
+                    <a14:imgProps xmlns:a14="http://schemas.microsoft.com/office/drawing/2010/main">
+                      <a14:imgLayer r:embed="rId25">
+                        <a14:imgEffect>
+                          <a14:brightnessContrast bright="100000"/>
+                        </a14:imgEffect>
+                      </a14:imgLayer>
+                    </a14:imgProps>
+                  </a:ext>
+                  <a:ext uri="{28A0092B-C50C-407E-A947-70E740481C1C}">
+                    <a14:useLocalDpi xmlns:a14="http://schemas.microsoft.com/office/drawing/2010/main" val="0"/>
+                  </a:ext>
+                </a:extLst>
+              </a:blip>
+              <a:stretch>
+                <a:fillRect/>
+              </a:stretch>
+            </p:blipFill>
+            <p:spPr>
+              <a:xfrm>
+                <a:off x="4310440" y="3278771"/>
+                <a:ext cx="914400" cy="914400"/>
+              </a:xfrm>
+              <a:prstGeom prst="rect">
+                <a:avLst/>
+              </a:prstGeom>
+            </p:spPr>
+          </p:pic>
+        </p:grpSp>
         <p:sp>
           <p:nvSpPr>
-            <p:cNvPr id="5" name="Rectangle 4"/>
+            <p:cNvPr id="25" name="Rectangle 24"/>
             <p:cNvSpPr/>
             <p:nvPr/>
           </p:nvSpPr>
           <p:spPr>
             <a:xfrm>
-              <a:off x="6219371" y="1171697"/>
-              <a:ext cx="5120640" cy="3657600"/>
+              <a:off x="744167" y="4880763"/>
+              <a:ext cx="10593186" cy="890649"/>
             </a:xfrm>
             <a:prstGeom prst="rect">
               <a:avLst/>
             </a:prstGeom>
             <a:solidFill>
-              <a:schemeClr val="accent6"/>
+              <a:schemeClr val="bg1">
+                <a:lumMod val="50000"/>
+              </a:schemeClr>
             </a:solidFill>
             <a:ln>
-              <a:noFill/>
+              <a:solidFill>
+                <a:schemeClr val="bg1">
+                  <a:lumMod val="50000"/>
+                </a:schemeClr>
+              </a:solidFill>
             </a:ln>
+            <a:effectLst/>
           </p:spPr>
           <p:style>
             <a:lnRef idx="2">
@@ -3117,28 +3681,53 @@
             </a:fontRef>
           </p:style>
           <p:txBody>
-            <a:bodyPr rtlCol="1" anchor="ctr"/>
+            <a:bodyPr rtlCol="0" anchor="ctr"/>
             <a:lstStyle/>
             <a:p>
-              <a:pPr algn="ctr" rtl="1"/>
-              <a:endParaRPr lang="en-US"/>
+              <a:pPr algn="ctr"/>
+              <a:r>
+                <a:rPr lang="ar-DZ" sz="3700" b="1" dirty="0">
+                  <a:effectLst>
+                    <a:outerShdw blurRad="50800" dist="38100" dir="2700000" algn="tl" rotWithShape="0">
+                      <a:prstClr val="black">
+                        <a:alpha val="40000"/>
+                      </a:prstClr>
+                    </a:outerShdw>
+                  </a:effectLst>
+                  <a:latin typeface="Arial" panose="020B0604020202020204" pitchFamily="34" charset="0"/>
+                </a:rPr>
+                <a:t>محدودة الفاقدة</a:t>
+              </a:r>
+              <a:endParaRPr lang="en-US" sz="3700" b="1" dirty="0">
+                <a:effectLst>
+                  <a:outerShdw blurRad="50800" dist="38100" dir="2700000" algn="tl" rotWithShape="0">
+                    <a:prstClr val="black">
+                      <a:alpha val="40000"/>
+                    </a:prstClr>
+                  </a:outerShdw>
+                </a:effectLst>
+                <a:latin typeface="Arial" panose="020B0604020202020204" pitchFamily="34" charset="0"/>
+              </a:endParaRPr>
             </a:p>
           </p:txBody>
         </p:sp>
         <p:pic>
           <p:nvPicPr>
-            <p:cNvPr id="10" name="Picture 9"/>
+            <p:cNvPr id="3" name="Picture 2"/>
             <p:cNvPicPr>
               <a:picLocks noChangeAspect="1"/>
             </p:cNvPicPr>
             <p:nvPr/>
           </p:nvPicPr>
           <p:blipFill>
-            <a:blip r:embed="rId2" cstate="print">
+            <a:blip r:embed="rId26" cstate="print">
               <a:extLst>
                 <a:ext uri="{BEBA8EAE-BF5A-486C-A8C5-ECC9F3942E4B}">
                   <a14:imgProps xmlns:a14="http://schemas.microsoft.com/office/drawing/2010/main">
-                    <a14:imgLayer r:embed="rId3">
+                    <a14:imgLayer r:embed="rId27">
+                      <a14:imgEffect>
+                        <a14:sharpenSoften amount="100000"/>
+                      </a14:imgEffect>
                       <a14:imgEffect>
                         <a14:brightnessContrast bright="100000"/>
                       </a14:imgEffect>
@@ -3156,8 +3745,8 @@
           </p:blipFill>
           <p:spPr>
             <a:xfrm>
-              <a:off x="6740528" y="1793633"/>
-              <a:ext cx="914400" cy="914400"/>
+              <a:off x="3795281" y="4921820"/>
+              <a:ext cx="808534" cy="808534"/>
             </a:xfrm>
             <a:prstGeom prst="rect">
               <a:avLst/>
@@ -3166,18 +3755,21 @@
         </p:pic>
         <p:pic>
           <p:nvPicPr>
-            <p:cNvPr id="11" name="Picture 10"/>
+            <p:cNvPr id="6" name="Picture 5"/>
             <p:cNvPicPr>
               <a:picLocks noChangeAspect="1"/>
             </p:cNvPicPr>
             <p:nvPr/>
           </p:nvPicPr>
           <p:blipFill>
-            <a:blip r:embed="rId4" cstate="print">
+            <a:blip r:embed="rId28" cstate="print">
               <a:extLst>
                 <a:ext uri="{BEBA8EAE-BF5A-486C-A8C5-ECC9F3942E4B}">
                   <a14:imgProps xmlns:a14="http://schemas.microsoft.com/office/drawing/2010/main">
-                    <a14:imgLayer r:embed="rId5">
+                    <a14:imgLayer r:embed="rId29">
+                      <a14:imgEffect>
+                        <a14:sharpenSoften amount="100000"/>
+                      </a14:imgEffect>
                       <a14:imgEffect>
                         <a14:brightnessContrast bright="100000"/>
                       </a14:imgEffect>
@@ -3195,559 +3787,8 @@
           </p:blipFill>
           <p:spPr>
             <a:xfrm>
-              <a:off x="8328877" y="1793633"/>
-              <a:ext cx="914400" cy="914400"/>
-            </a:xfrm>
-            <a:prstGeom prst="rect">
-              <a:avLst/>
-            </a:prstGeom>
-          </p:spPr>
-        </p:pic>
-        <p:pic>
-          <p:nvPicPr>
-            <p:cNvPr id="12" name="Picture 11"/>
-            <p:cNvPicPr>
-              <a:picLocks noChangeAspect="1"/>
-            </p:cNvPicPr>
-            <p:nvPr/>
-          </p:nvPicPr>
-          <p:blipFill>
-            <a:blip r:embed="rId6" cstate="print">
-              <a:extLst>
-                <a:ext uri="{BEBA8EAE-BF5A-486C-A8C5-ECC9F3942E4B}">
-                  <a14:imgProps xmlns:a14="http://schemas.microsoft.com/office/drawing/2010/main">
-                    <a14:imgLayer r:embed="rId7">
-                      <a14:imgEffect>
-                        <a14:brightnessContrast bright="100000"/>
-                      </a14:imgEffect>
-                    </a14:imgLayer>
-                  </a14:imgProps>
-                </a:ext>
-                <a:ext uri="{28A0092B-C50C-407E-A947-70E740481C1C}">
-                  <a14:useLocalDpi xmlns:a14="http://schemas.microsoft.com/office/drawing/2010/main" val="0"/>
-                </a:ext>
-              </a:extLst>
-            </a:blip>
-            <a:stretch>
-              <a:fillRect/>
-            </a:stretch>
-          </p:blipFill>
-          <p:spPr>
-            <a:xfrm>
-              <a:off x="9728948" y="1793633"/>
-              <a:ext cx="914400" cy="914400"/>
-            </a:xfrm>
-            <a:prstGeom prst="rect">
-              <a:avLst/>
-            </a:prstGeom>
-          </p:spPr>
-        </p:pic>
-        <p:pic>
-          <p:nvPicPr>
-            <p:cNvPr id="13" name="Picture 12"/>
-            <p:cNvPicPr>
-              <a:picLocks noChangeAspect="1"/>
-            </p:cNvPicPr>
-            <p:nvPr/>
-          </p:nvPicPr>
-          <p:blipFill>
-            <a:blip r:embed="rId8" cstate="print">
-              <a:extLst>
-                <a:ext uri="{BEBA8EAE-BF5A-486C-A8C5-ECC9F3942E4B}">
-                  <a14:imgProps xmlns:a14="http://schemas.microsoft.com/office/drawing/2010/main">
-                    <a14:imgLayer r:embed="rId9">
-                      <a14:imgEffect>
-                        <a14:brightnessContrast bright="100000"/>
-                      </a14:imgEffect>
-                    </a14:imgLayer>
-                  </a14:imgProps>
-                </a:ext>
-                <a:ext uri="{28A0092B-C50C-407E-A947-70E740481C1C}">
-                  <a14:useLocalDpi xmlns:a14="http://schemas.microsoft.com/office/drawing/2010/main" val="0"/>
-                </a:ext>
-              </a:extLst>
-            </a:blip>
-            <a:stretch>
-              <a:fillRect/>
-            </a:stretch>
-          </p:blipFill>
-          <p:spPr>
-            <a:xfrm>
-              <a:off x="6740528" y="3278771"/>
-              <a:ext cx="914400" cy="914400"/>
-            </a:xfrm>
-            <a:prstGeom prst="rect">
-              <a:avLst/>
-            </a:prstGeom>
-          </p:spPr>
-        </p:pic>
-        <p:pic>
-          <p:nvPicPr>
-            <p:cNvPr id="16" name="Picture 15"/>
-            <p:cNvPicPr>
-              <a:picLocks noChangeAspect="1"/>
-            </p:cNvPicPr>
-            <p:nvPr/>
-          </p:nvPicPr>
-          <p:blipFill>
-            <a:blip r:embed="rId10" cstate="print">
-              <a:extLst>
-                <a:ext uri="{BEBA8EAE-BF5A-486C-A8C5-ECC9F3942E4B}">
-                  <a14:imgProps xmlns:a14="http://schemas.microsoft.com/office/drawing/2010/main">
-                    <a14:imgLayer r:embed="rId11">
-                      <a14:imgEffect>
-                        <a14:brightnessContrast bright="100000"/>
-                      </a14:imgEffect>
-                    </a14:imgLayer>
-                  </a14:imgProps>
-                </a:ext>
-                <a:ext uri="{28A0092B-C50C-407E-A947-70E740481C1C}">
-                  <a14:useLocalDpi xmlns:a14="http://schemas.microsoft.com/office/drawing/2010/main" val="0"/>
-                </a:ext>
-              </a:extLst>
-            </a:blip>
-            <a:stretch>
-              <a:fillRect/>
-            </a:stretch>
-          </p:blipFill>
-          <p:spPr>
-            <a:xfrm>
-              <a:off x="8253135" y="3274915"/>
-              <a:ext cx="918256" cy="918256"/>
-            </a:xfrm>
-            <a:prstGeom prst="rect">
-              <a:avLst/>
-            </a:prstGeom>
-          </p:spPr>
-        </p:pic>
-        <p:pic>
-          <p:nvPicPr>
-            <p:cNvPr id="20" name="Picture 19"/>
-            <p:cNvPicPr>
-              <a:picLocks noChangeAspect="1"/>
-            </p:cNvPicPr>
-            <p:nvPr/>
-          </p:nvPicPr>
-          <p:blipFill>
-            <a:blip r:embed="rId12" cstate="print">
-              <a:extLst>
-                <a:ext uri="{BEBA8EAE-BF5A-486C-A8C5-ECC9F3942E4B}">
-                  <a14:imgProps xmlns:a14="http://schemas.microsoft.com/office/drawing/2010/main">
-                    <a14:imgLayer r:embed="rId13">
-                      <a14:imgEffect>
-                        <a14:brightnessContrast bright="100000"/>
-                      </a14:imgEffect>
-                    </a14:imgLayer>
-                  </a14:imgProps>
-                </a:ext>
-                <a:ext uri="{28A0092B-C50C-407E-A947-70E740481C1C}">
-                  <a14:useLocalDpi xmlns:a14="http://schemas.microsoft.com/office/drawing/2010/main" val="0"/>
-                </a:ext>
-              </a:extLst>
-            </a:blip>
-            <a:stretch>
-              <a:fillRect/>
-            </a:stretch>
-          </p:blipFill>
-          <p:spPr>
-            <a:xfrm>
-              <a:off x="9918840" y="3278771"/>
-              <a:ext cx="914400" cy="914400"/>
-            </a:xfrm>
-            <a:prstGeom prst="rect">
-              <a:avLst/>
-            </a:prstGeom>
-          </p:spPr>
-        </p:pic>
-        <p:sp>
-          <p:nvSpPr>
-            <p:cNvPr id="22" name="TextBox 21"/>
-            <p:cNvSpPr txBox="1"/>
-            <p:nvPr/>
-          </p:nvSpPr>
-          <p:spPr>
-            <a:xfrm>
-              <a:off x="6219371" y="606662"/>
-              <a:ext cx="5120640" cy="646331"/>
-            </a:xfrm>
-            <a:prstGeom prst="rect">
-              <a:avLst/>
-            </a:prstGeom>
-            <a:noFill/>
-          </p:spPr>
-          <p:txBody>
-            <a:bodyPr wrap="square" rtlCol="1">
-              <a:spAutoFit/>
-            </a:bodyPr>
-            <a:lstStyle/>
-            <a:p>
-              <a:pPr algn="ctr" rtl="1"/>
-              <a:r>
-                <a:rPr lang="ar-sa" sz="3600" b="1" dirty="0" smtClean="0">
-                  <a:latin typeface="Arial" panose="020B0604020202020204" pitchFamily="34" charset="0"/>
-                  <a:cs typeface="Arial" panose="020B0604020202020204" pitchFamily="34" charset="0"/>
-                  <a:rtl/>
-                </a:rPr>
-                <a:t>العملية</a:t>
-              </a:r>
-              <a:r>
-                <a:rPr lang="ar-sa" sz="3600" dirty="0" smtClean="0">
-                  <a:latin typeface="Arial" panose="020B0604020202020204" pitchFamily="34" charset="0"/>
-                  <a:cs typeface="Arial" panose="020B0604020202020204" pitchFamily="34" charset="0"/>
-                  <a:rtl/>
-                </a:rPr>
-                <a:t> </a:t>
-              </a:r>
-              <a:endParaRPr lang="en-US" sz="3600" dirty="0">
-                <a:latin typeface="Arial" panose="020B0604020202020204" pitchFamily="34" charset="0"/>
-                <a:cs typeface="Arial" panose="020B0604020202020204" pitchFamily="34" charset="0"/>
-              </a:endParaRPr>
-            </a:p>
-          </p:txBody>
-        </p:sp>
-      </p:grpSp>
-      <p:grpSp>
-        <p:nvGrpSpPr>
-          <p:cNvPr id="26" name="Group 25"/>
-          <p:cNvGrpSpPr/>
-          <p:nvPr/>
-        </p:nvGrpSpPr>
-        <p:grpSpPr>
-          <a:xfrm>
-            <a:off x="746825" y="542097"/>
-            <a:ext cx="5129857" cy="4287200"/>
-            <a:chOff x="746825" y="542097"/>
-            <a:chExt cx="5129857" cy="4287200"/>
-          </a:xfrm>
-        </p:grpSpPr>
-        <p:sp>
-          <p:nvSpPr>
-            <p:cNvPr id="4" name="Rectangle 3"/>
-            <p:cNvSpPr/>
-            <p:nvPr/>
-          </p:nvSpPr>
-          <p:spPr>
-            <a:xfrm>
-              <a:off x="746825" y="1171697"/>
-              <a:ext cx="5120640" cy="3657600"/>
-            </a:xfrm>
-            <a:prstGeom prst="rect">
-              <a:avLst/>
-            </a:prstGeom>
-            <a:solidFill>
-              <a:schemeClr val="accent1"/>
-            </a:solidFill>
-          </p:spPr>
-          <p:style>
-            <a:lnRef idx="2">
-              <a:schemeClr val="accent1">
-                <a:shade val="50000"/>
-              </a:schemeClr>
-            </a:lnRef>
-            <a:fillRef idx="1">
-              <a:schemeClr val="accent1"/>
-            </a:fillRef>
-            <a:effectRef idx="0">
-              <a:schemeClr val="accent1"/>
-            </a:effectRef>
-            <a:fontRef idx="minor">
-              <a:schemeClr val="lt1"/>
-            </a:fontRef>
-          </p:style>
-          <p:txBody>
-            <a:bodyPr rtlCol="1" anchor="ctr"/>
-            <a:lstStyle/>
-            <a:p>
-              <a:pPr algn="ctr" rtl="1"/>
-              <a:endParaRPr lang="en-US"/>
-            </a:p>
-          </p:txBody>
-        </p:sp>
-        <p:pic>
-          <p:nvPicPr>
-            <p:cNvPr id="7" name="Picture 6"/>
-            <p:cNvPicPr>
-              <a:picLocks noChangeAspect="1"/>
-            </p:cNvPicPr>
-            <p:nvPr/>
-          </p:nvPicPr>
-          <p:blipFill>
-            <a:blip r:embed="rId14" cstate="print">
-              <a:biLevel thresh="25000"/>
-              <a:extLst>
-                <a:ext uri="{BEBA8EAE-BF5A-486C-A8C5-ECC9F3942E4B}">
-                  <a14:imgProps xmlns:a14="http://schemas.microsoft.com/office/drawing/2010/main">
-                    <a14:imgLayer r:embed="rId15">
-                      <a14:imgEffect>
-                        <a14:sharpenSoften amount="90000"/>
-                      </a14:imgEffect>
-                      <a14:imgEffect>
-                        <a14:saturation sat="52000"/>
-                      </a14:imgEffect>
-                      <a14:imgEffect>
-                        <a14:brightnessContrast bright="100000" contrast="-100000"/>
-                      </a14:imgEffect>
-                    </a14:imgLayer>
-                  </a14:imgProps>
-                </a:ext>
-                <a:ext uri="{28A0092B-C50C-407E-A947-70E740481C1C}">
-                  <a14:useLocalDpi xmlns:a14="http://schemas.microsoft.com/office/drawing/2010/main" val="0"/>
-                </a:ext>
-              </a:extLst>
-            </a:blip>
-            <a:stretch>
-              <a:fillRect/>
-            </a:stretch>
-          </p:blipFill>
-          <p:spPr>
-            <a:xfrm>
-              <a:off x="1227420" y="1793633"/>
-              <a:ext cx="914400" cy="914400"/>
-            </a:xfrm>
-            <a:prstGeom prst="rect">
-              <a:avLst/>
-            </a:prstGeom>
-          </p:spPr>
-        </p:pic>
-        <p:pic>
-          <p:nvPicPr>
-            <p:cNvPr id="8" name="Picture 7"/>
-            <p:cNvPicPr>
-              <a:picLocks noChangeAspect="1"/>
-            </p:cNvPicPr>
-            <p:nvPr/>
-          </p:nvPicPr>
-          <p:blipFill>
-            <a:blip r:embed="rId16" cstate="print">
-              <a:biLevel thresh="25000"/>
-              <a:extLst>
-                <a:ext uri="{BEBA8EAE-BF5A-486C-A8C5-ECC9F3942E4B}">
-                  <a14:imgProps xmlns:a14="http://schemas.microsoft.com/office/drawing/2010/main">
-                    <a14:imgLayer r:embed="rId17">
-                      <a14:imgEffect>
-                        <a14:brightnessContrast bright="100000" contrast="-70000"/>
-                      </a14:imgEffect>
-                    </a14:imgLayer>
-                  </a14:imgProps>
-                </a:ext>
-                <a:ext uri="{28A0092B-C50C-407E-A947-70E740481C1C}">
-                  <a14:useLocalDpi xmlns:a14="http://schemas.microsoft.com/office/drawing/2010/main" val="0"/>
-                </a:ext>
-              </a:extLst>
-            </a:blip>
-            <a:stretch>
-              <a:fillRect/>
-            </a:stretch>
-          </p:blipFill>
-          <p:spPr>
-            <a:xfrm>
-              <a:off x="2799919" y="1793633"/>
-              <a:ext cx="914400" cy="914400"/>
-            </a:xfrm>
-            <a:prstGeom prst="rect">
-              <a:avLst/>
-            </a:prstGeom>
-          </p:spPr>
-        </p:pic>
-        <p:pic>
-          <p:nvPicPr>
-            <p:cNvPr id="9" name="Picture 8"/>
-            <p:cNvPicPr>
-              <a:picLocks noChangeAspect="1"/>
-            </p:cNvPicPr>
-            <p:nvPr/>
-          </p:nvPicPr>
-          <p:blipFill>
-            <a:blip r:embed="rId18" cstate="print">
-              <a:biLevel thresh="25000"/>
-              <a:extLst>
-                <a:ext uri="{BEBA8EAE-BF5A-486C-A8C5-ECC9F3942E4B}">
-                  <a14:imgProps xmlns:a14="http://schemas.microsoft.com/office/drawing/2010/main">
-                    <a14:imgLayer r:embed="rId19">
-                      <a14:imgEffect>
-                        <a14:brightnessContrast bright="100000" contrast="-70000"/>
-                      </a14:imgEffect>
-                    </a14:imgLayer>
-                  </a14:imgProps>
-                </a:ext>
-                <a:ext uri="{28A0092B-C50C-407E-A947-70E740481C1C}">
-                  <a14:useLocalDpi xmlns:a14="http://schemas.microsoft.com/office/drawing/2010/main" val="0"/>
-                </a:ext>
-              </a:extLst>
-            </a:blip>
-            <a:stretch>
-              <a:fillRect/>
-            </a:stretch>
-          </p:blipFill>
-          <p:spPr>
-            <a:xfrm>
-              <a:off x="2768930" y="3278771"/>
-              <a:ext cx="914400" cy="914400"/>
-            </a:xfrm>
-            <a:prstGeom prst="rect">
-              <a:avLst/>
-            </a:prstGeom>
-          </p:spPr>
-        </p:pic>
-        <p:pic>
-          <p:nvPicPr>
-            <p:cNvPr id="18" name="Picture 17"/>
-            <p:cNvPicPr>
-              <a:picLocks noChangeAspect="1"/>
-            </p:cNvPicPr>
-            <p:nvPr/>
-          </p:nvPicPr>
-          <p:blipFill>
-            <a:blip r:embed="rId20" cstate="print">
-              <a:biLevel thresh="25000"/>
-              <a:extLst>
-                <a:ext uri="{BEBA8EAE-BF5A-486C-A8C5-ECC9F3942E4B}">
-                  <a14:imgProps xmlns:a14="http://schemas.microsoft.com/office/drawing/2010/main">
-                    <a14:imgLayer r:embed="rId21">
-                      <a14:imgEffect>
-                        <a14:brightnessContrast bright="100000" contrast="-70000"/>
-                      </a14:imgEffect>
-                    </a14:imgLayer>
-                  </a14:imgProps>
-                </a:ext>
-                <a:ext uri="{28A0092B-C50C-407E-A947-70E740481C1C}">
-                  <a14:useLocalDpi xmlns:a14="http://schemas.microsoft.com/office/drawing/2010/main" val="0"/>
-                </a:ext>
-              </a:extLst>
-            </a:blip>
-            <a:stretch>
-              <a:fillRect/>
-            </a:stretch>
-          </p:blipFill>
-          <p:spPr>
-            <a:xfrm>
-              <a:off x="4404411" y="1793633"/>
-              <a:ext cx="914400" cy="914400"/>
-            </a:xfrm>
-            <a:prstGeom prst="rect">
-              <a:avLst/>
-            </a:prstGeom>
-          </p:spPr>
-        </p:pic>
-        <p:pic>
-          <p:nvPicPr>
-            <p:cNvPr id="19" name="Picture 18"/>
-            <p:cNvPicPr>
-              <a:picLocks noChangeAspect="1"/>
-            </p:cNvPicPr>
-            <p:nvPr/>
-          </p:nvPicPr>
-          <p:blipFill>
-            <a:blip r:embed="rId22" cstate="print">
-              <a:biLevel thresh="25000"/>
-              <a:extLst>
-                <a:ext uri="{BEBA8EAE-BF5A-486C-A8C5-ECC9F3942E4B}">
-                  <a14:imgProps xmlns:a14="http://schemas.microsoft.com/office/drawing/2010/main">
-                    <a14:imgLayer r:embed="rId23">
-                      <a14:imgEffect>
-                        <a14:brightnessContrast bright="100000" contrast="-70000"/>
-                      </a14:imgEffect>
-                    </a14:imgLayer>
-                  </a14:imgProps>
-                </a:ext>
-                <a:ext uri="{28A0092B-C50C-407E-A947-70E740481C1C}">
-                  <a14:useLocalDpi xmlns:a14="http://schemas.microsoft.com/office/drawing/2010/main" val="0"/>
-                </a:ext>
-              </a:extLst>
-            </a:blip>
-            <a:stretch>
-              <a:fillRect/>
-            </a:stretch>
-          </p:blipFill>
-          <p:spPr>
-            <a:xfrm>
-              <a:off x="1256323" y="3234965"/>
-              <a:ext cx="914400" cy="914400"/>
-            </a:xfrm>
-            <a:prstGeom prst="rect">
-              <a:avLst/>
-            </a:prstGeom>
-          </p:spPr>
-        </p:pic>
-        <p:sp>
-          <p:nvSpPr>
-            <p:cNvPr id="21" name="TextBox 20"/>
-            <p:cNvSpPr txBox="1"/>
-            <p:nvPr/>
-          </p:nvSpPr>
-          <p:spPr>
-            <a:xfrm>
-              <a:off x="756042" y="542097"/>
-              <a:ext cx="5120640" cy="707886"/>
-            </a:xfrm>
-            <a:prstGeom prst="rect">
-              <a:avLst/>
-            </a:prstGeom>
-            <a:noFill/>
-          </p:spPr>
-          <p:txBody>
-            <a:bodyPr wrap="square" rtlCol="1">
-              <a:spAutoFit/>
-            </a:bodyPr>
-            <a:lstStyle/>
-            <a:p>
-              <a:pPr algn="ctr" rtl="1"/>
-              <a:r>
-                <a:rPr lang="ar-sa" sz="3600" b="1" dirty="0" smtClean="0">
-                  <a:latin typeface="Arial" panose="020B0604020202020204" pitchFamily="34" charset="0"/>
-                  <a:cs typeface="Arial" panose="020B0604020202020204" pitchFamily="34" charset="0"/>
-                  <a:rtl/>
-                </a:rPr>
-                <a:t>منفصل</a:t>
-              </a:r>
-              <a:r>
-                <a:rPr lang="ar-sa" sz="4000" dirty="0" smtClean="0">
-                  <a:latin typeface="Arial" panose="020B0604020202020204" pitchFamily="34" charset="0"/>
-                  <a:cs typeface="Arial" panose="020B0604020202020204" pitchFamily="34" charset="0"/>
-                  <a:rtl/>
-                </a:rPr>
-                <a:t> </a:t>
-              </a:r>
-              <a:endParaRPr lang="en-US" sz="4000" dirty="0">
-                <a:latin typeface="Arial" panose="020B0604020202020204" pitchFamily="34" charset="0"/>
-                <a:cs typeface="Arial" panose="020B0604020202020204" pitchFamily="34" charset="0"/>
-              </a:endParaRPr>
-            </a:p>
-          </p:txBody>
-        </p:sp>
-        <p:pic>
-          <p:nvPicPr>
-            <p:cNvPr id="24" name="Picture 23"/>
-            <p:cNvPicPr>
-              <a:picLocks noChangeAspect="1"/>
-            </p:cNvPicPr>
-            <p:nvPr/>
-          </p:nvPicPr>
-          <p:blipFill>
-            <a:blip r:embed="rId24" cstate="print">
-              <a:extLst>
-                <a:ext uri="{BEBA8EAE-BF5A-486C-A8C5-ECC9F3942E4B}">
-                  <a14:imgProps xmlns:a14="http://schemas.microsoft.com/office/drawing/2010/main">
-                    <a14:imgLayer r:embed="rId25">
-                      <a14:imgEffect>
-                        <a14:brightnessContrast bright="100000"/>
-                      </a14:imgEffect>
-                    </a14:imgLayer>
-                  </a14:imgProps>
-                </a:ext>
-                <a:ext uri="{28A0092B-C50C-407E-A947-70E740481C1C}">
-                  <a14:useLocalDpi xmlns:a14="http://schemas.microsoft.com/office/drawing/2010/main" val="0"/>
-                </a:ext>
-              </a:extLst>
-            </a:blip>
-            <a:stretch>
-              <a:fillRect/>
-            </a:stretch>
-          </p:blipFill>
-          <p:spPr>
-            <a:xfrm>
-              <a:off x="4310440" y="3278771"/>
-              <a:ext cx="914400" cy="914400"/>
+              <a:off x="7421353" y="4892638"/>
+              <a:ext cx="941333" cy="904398"/>
             </a:xfrm>
             <a:prstGeom prst="rect">
               <a:avLst/>
@@ -3755,168 +3796,6 @@
           </p:spPr>
         </p:pic>
       </p:grpSp>
-      <p:sp>
-        <p:nvSpPr>
-          <p:cNvPr id="25" name="Rectangle 24"/>
-          <p:cNvSpPr/>
-          <p:nvPr/>
-        </p:nvSpPr>
-        <p:spPr>
-          <a:xfrm>
-            <a:off x="744167" y="4880763"/>
-            <a:ext cx="10593186" cy="890649"/>
-          </a:xfrm>
-          <a:prstGeom prst="rect">
-            <a:avLst/>
-          </a:prstGeom>
-          <a:solidFill>
-            <a:schemeClr val="bg1">
-              <a:lumMod val="50000"/>
-            </a:schemeClr>
-          </a:solidFill>
-          <a:ln>
-            <a:solidFill>
-              <a:schemeClr val="bg1">
-                <a:lumMod val="50000"/>
-              </a:schemeClr>
-            </a:solidFill>
-          </a:ln>
-          <a:effectLst/>
-        </p:spPr>
-        <p:style>
-          <a:lnRef idx="2">
-            <a:schemeClr val="accent1">
-              <a:shade val="50000"/>
-            </a:schemeClr>
-          </a:lnRef>
-          <a:fillRef idx="1">
-            <a:schemeClr val="accent1"/>
-          </a:fillRef>
-          <a:effectRef idx="0">
-            <a:schemeClr val="accent1"/>
-          </a:effectRef>
-          <a:fontRef idx="minor">
-            <a:schemeClr val="lt1"/>
-          </a:fontRef>
-        </p:style>
-        <p:txBody>
-          <a:bodyPr rtlCol="1" anchor="ctr"/>
-          <a:lstStyle/>
-          <a:p>
-            <a:pPr algn="ctr" rtl="1"/>
-            <a:r>
-              <a:rPr lang="ar-sa" sz="3700" b="1" dirty="0" smtClean="0">
-                <a:effectLst>
-                  <a:outerShdw blurRad="50800" dist="38100" dir="2700000" algn="tl" rotWithShape="0">
-                    <a:prstClr val="black">
-                      <a:alpha val="40000"/>
-                    </a:prstClr>
-                  </a:outerShdw>
-                </a:effectLst>
-                <a:latin typeface="Arial" panose="020B0604020202020204" pitchFamily="34" charset="0"/>
-                <a:cs typeface="Arial" panose="020B0604020202020204" pitchFamily="34" charset="0"/>
-                <a:rtl val="0"/>
-              </a:rPr>
-              <a:t>Lean</a:t>
-            </a:r>
-            <a:endParaRPr lang="en-US" sz="3700" b="1" dirty="0">
-              <a:effectLst>
-                <a:outerShdw blurRad="50800" dist="38100" dir="2700000" algn="tl" rotWithShape="0">
-                  <a:prstClr val="black">
-                    <a:alpha val="40000"/>
-                  </a:prstClr>
-                </a:outerShdw>
-              </a:effectLst>
-              <a:latin typeface="Arial" panose="020B0604020202020204" pitchFamily="34" charset="0"/>
-              <a:cs typeface="Arial" panose="020B0604020202020204" pitchFamily="34" charset="0"/>
-            </a:endParaRPr>
-          </a:p>
-        </p:txBody>
-      </p:sp>
-      <p:pic>
-        <p:nvPicPr>
-          <p:cNvPr id="3" name="Picture 2"/>
-          <p:cNvPicPr>
-            <a:picLocks noChangeAspect="1"/>
-          </p:cNvPicPr>
-          <p:nvPr/>
-        </p:nvPicPr>
-        <p:blipFill>
-          <a:blip r:embed="rId26" cstate="print">
-            <a:extLst>
-              <a:ext uri="{BEBA8EAE-BF5A-486C-A8C5-ECC9F3942E4B}">
-                <a14:imgProps xmlns:a14="http://schemas.microsoft.com/office/drawing/2010/main">
-                  <a14:imgLayer r:embed="rId27">
-                    <a14:imgEffect>
-                      <a14:sharpenSoften amount="100000"/>
-                    </a14:imgEffect>
-                    <a14:imgEffect>
-                      <a14:brightnessContrast bright="100000"/>
-                    </a14:imgEffect>
-                  </a14:imgLayer>
-                </a14:imgProps>
-              </a:ext>
-              <a:ext uri="{28A0092B-C50C-407E-A947-70E740481C1C}">
-                <a14:useLocalDpi xmlns:a14="http://schemas.microsoft.com/office/drawing/2010/main" val="0"/>
-              </a:ext>
-            </a:extLst>
-          </a:blip>
-          <a:stretch>
-            <a:fillRect/>
-          </a:stretch>
-        </p:blipFill>
-        <p:spPr>
-          <a:xfrm>
-            <a:off x="3795281" y="4921820"/>
-            <a:ext cx="808534" cy="808534"/>
-          </a:xfrm>
-          <a:prstGeom prst="rect">
-            <a:avLst/>
-          </a:prstGeom>
-        </p:spPr>
-      </p:pic>
-      <p:pic>
-        <p:nvPicPr>
-          <p:cNvPr id="6" name="Picture 5"/>
-          <p:cNvPicPr>
-            <a:picLocks noChangeAspect="1"/>
-          </p:cNvPicPr>
-          <p:nvPr/>
-        </p:nvPicPr>
-        <p:blipFill>
-          <a:blip r:embed="rId28" cstate="print">
-            <a:extLst>
-              <a:ext uri="{BEBA8EAE-BF5A-486C-A8C5-ECC9F3942E4B}">
-                <a14:imgProps xmlns:a14="http://schemas.microsoft.com/office/drawing/2010/main">
-                  <a14:imgLayer r:embed="rId29">
-                    <a14:imgEffect>
-                      <a14:sharpenSoften amount="100000"/>
-                    </a14:imgEffect>
-                    <a14:imgEffect>
-                      <a14:brightnessContrast bright="100000"/>
-                    </a14:imgEffect>
-                  </a14:imgLayer>
-                </a14:imgProps>
-              </a:ext>
-              <a:ext uri="{28A0092B-C50C-407E-A947-70E740481C1C}">
-                <a14:useLocalDpi xmlns:a14="http://schemas.microsoft.com/office/drawing/2010/main" val="0"/>
-              </a:ext>
-            </a:extLst>
-          </a:blip>
-          <a:stretch>
-            <a:fillRect/>
-          </a:stretch>
-        </p:blipFill>
-        <p:spPr>
-          <a:xfrm>
-            <a:off x="7421353" y="4892638"/>
-            <a:ext cx="941333" cy="904398"/>
-          </a:xfrm>
-          <a:prstGeom prst="rect">
-            <a:avLst/>
-          </a:prstGeom>
-        </p:spPr>
-      </p:pic>
     </p:spTree>
     <p:extLst>
       <p:ext uri="{BB962C8B-B14F-4D97-AF65-F5344CB8AC3E}">
@@ -3927,13 +3806,6 @@
   <p:clrMapOvr>
     <a:masterClrMapping/>
   </p:clrMapOvr>
-  <p:timing>
-    <p:tnLst>
-      <p:par>
-        <p:cTn id="1" dur="indefinite" restart="never" nodeType="tmRoot"/>
-      </p:par>
-    </p:tnLst>
-  </p:timing>
 </p:sld>
 </file>
 
@@ -4199,6 +4071,15 @@
 </file>
 
 <file path=customXml/item1.xml><?xml version="1.0" encoding="utf-8"?>
+<?mso-contentType ?>
+<FormTemplates xmlns="http://schemas.microsoft.com/sharepoint/v3/contenttype/forms">
+  <Display>DocumentLibraryForm</Display>
+  <Edit>DocumentLibraryForm</Edit>
+  <New>DocumentLibraryForm</New>
+</FormTemplates>
+</file>
+
+<file path=customXml/item2.xml><?xml version="1.0" encoding="utf-8"?>
 <ct:contentTypeSchema xmlns:ct="http://schemas.microsoft.com/office/2006/metadata/contentType" xmlns:ma="http://schemas.microsoft.com/office/2006/metadata/properties/metaAttributes" ct:_="" ma:_="" ma:contentTypeName="Document" ma:contentTypeID="0x010100C3916BDA3070A34895CAD2722FB4F240" ma:contentTypeVersion="11" ma:contentTypeDescription="Create a new document." ma:contentTypeScope="" ma:versionID="a985e66079244a9cc8358ad2cca83724">
   <xsd:schema xmlns:xsd="http://www.w3.org/2001/XMLSchema" xmlns:xs="http://www.w3.org/2001/XMLSchema" xmlns:p="http://schemas.microsoft.com/office/2006/metadata/properties" xmlns:ns2="c1d41322-cfbd-4e6a-be1a-fbfd92ccb5d9" xmlns:ns3="0231ce3f-da5b-4a8c-b6d4-0ce70353f982" targetNamespace="http://schemas.microsoft.com/office/2006/metadata/properties" ma:root="true" ma:fieldsID="91f28713f6b8941e327d2895d67e2a78" ns2:_="" ns3:_="">
     <xsd:import namespace="c1d41322-cfbd-4e6a-be1a-fbfd92ccb5d9"/>
@@ -4409,15 +4290,6 @@
 </ct:contentTypeSchema>
 </file>
 
-<file path=customXml/item2.xml><?xml version="1.0" encoding="utf-8"?>
-<?mso-contentType ?>
-<FormTemplates xmlns="http://schemas.microsoft.com/sharepoint/v3/contenttype/forms">
-  <Display>DocumentLibraryForm</Display>
-  <Edit>DocumentLibraryForm</Edit>
-  <New>DocumentLibraryForm</New>
-</FormTemplates>
-</file>
-
 <file path=customXml/item3.xml><?xml version="1.0" encoding="utf-8"?>
 <p:properties xmlns:p="http://schemas.microsoft.com/office/2006/metadata/properties" xmlns:xsi="http://www.w3.org/2001/XMLSchema-instance" xmlns:pc="http://schemas.microsoft.com/office/infopath/2007/PartnerControls">
   <documentManagement/>
@@ -4425,13 +4297,37 @@
 </file>
 
 <file path=customXml/itemProps1.xml><?xml version="1.0" encoding="utf-8"?>
-<ds:datastoreItem xmlns:ds="http://schemas.openxmlformats.org/officeDocument/2006/customXml" ds:itemID="{388CE9D6-D3B5-4808-93A6-50FCB39B1A9A}"/>
+<ds:datastoreItem xmlns:ds="http://schemas.openxmlformats.org/officeDocument/2006/customXml" ds:itemID="{ED9A961C-A01D-46E1-990F-F531250AFA4F}">
+  <ds:schemaRefs>
+    <ds:schemaRef ds:uri="http://schemas.microsoft.com/sharepoint/v3/contenttype/forms"/>
+  </ds:schemaRefs>
+</ds:datastoreItem>
 </file>
 
 <file path=customXml/itemProps2.xml><?xml version="1.0" encoding="utf-8"?>
-<ds:datastoreItem xmlns:ds="http://schemas.openxmlformats.org/officeDocument/2006/customXml" ds:itemID="{ED9A961C-A01D-46E1-990F-F531250AFA4F}"/>
+<ds:datastoreItem xmlns:ds="http://schemas.openxmlformats.org/officeDocument/2006/customXml" ds:itemID="{388CE9D6-D3B5-4808-93A6-50FCB39B1A9A}">
+  <ds:schemaRefs>
+    <ds:schemaRef ds:uri="http://schemas.microsoft.com/office/2006/metadata/contentType"/>
+    <ds:schemaRef ds:uri="http://schemas.microsoft.com/office/2006/metadata/properties/metaAttributes"/>
+    <ds:schemaRef ds:uri="http://www.w3.org/2001/XMLSchema"/>
+    <ds:schemaRef ds:uri="http://schemas.microsoft.com/office/2006/metadata/properties"/>
+    <ds:schemaRef ds:uri="c1d41322-cfbd-4e6a-be1a-fbfd92ccb5d9"/>
+    <ds:schemaRef ds:uri="0231ce3f-da5b-4a8c-b6d4-0ce70353f982"/>
+    <ds:schemaRef ds:uri="http://schemas.microsoft.com/office/2006/documentManagement/types"/>
+    <ds:schemaRef ds:uri="http://schemas.microsoft.com/office/infopath/2007/PartnerControls"/>
+    <ds:schemaRef ds:uri="http://schemas.openxmlformats.org/package/2006/metadata/core-properties"/>
+    <ds:schemaRef ds:uri="http://purl.org/dc/elements/1.1/"/>
+    <ds:schemaRef ds:uri="http://purl.org/dc/terms/"/>
+    <ds:schemaRef ds:uri="http://schemas.microsoft.com/internal/obd"/>
+  </ds:schemaRefs>
+</ds:datastoreItem>
 </file>
 
 <file path=customXml/itemProps3.xml><?xml version="1.0" encoding="utf-8"?>
-<ds:datastoreItem xmlns:ds="http://schemas.openxmlformats.org/officeDocument/2006/customXml" ds:itemID="{8470C4FF-0CBC-404E-A2A3-8C5073A715E2}"/>
+<ds:datastoreItem xmlns:ds="http://schemas.openxmlformats.org/officeDocument/2006/customXml" ds:itemID="{8470C4FF-0CBC-404E-A2A3-8C5073A715E2}">
+  <ds:schemaRefs>
+    <ds:schemaRef ds:uri="http://schemas.microsoft.com/office/2006/metadata/properties"/>
+    <ds:schemaRef ds:uri="http://schemas.microsoft.com/office/infopath/2007/PartnerControls"/>
+  </ds:schemaRefs>
+</ds:datastoreItem>
 </file>